--- a/Intro2ResSim/OilDevelopment.pptx
+++ b/Intro2ResSim/OilDevelopment.pptx
@@ -5,15 +5,18 @@
     <p:sldMasterId id="2147483670" r:id="rId1"/>
   </p:sldMasterIdLst>
   <p:notesMasterIdLst>
-    <p:notesMasterId r:id="rId8"/>
+    <p:notesMasterId r:id="rId11"/>
   </p:notesMasterIdLst>
   <p:sldIdLst>
     <p:sldId id="391" r:id="rId2"/>
     <p:sldId id="409" r:id="rId3"/>
     <p:sldId id="410" r:id="rId4"/>
-    <p:sldId id="411" r:id="rId5"/>
-    <p:sldId id="412" r:id="rId6"/>
-    <p:sldId id="413" r:id="rId7"/>
+    <p:sldId id="416" r:id="rId5"/>
+    <p:sldId id="414" r:id="rId6"/>
+    <p:sldId id="415" r:id="rId7"/>
+    <p:sldId id="411" r:id="rId8"/>
+    <p:sldId id="412" r:id="rId9"/>
+    <p:sldId id="413" r:id="rId10"/>
   </p:sldIdLst>
   <p:sldSz cx="12192000" cy="6858000"/>
   <p:notesSz cx="9144000" cy="6858000"/>
@@ -120,6 +123,9 @@
             <p14:sldId id="391"/>
             <p14:sldId id="409"/>
             <p14:sldId id="410"/>
+            <p14:sldId id="416"/>
+            <p14:sldId id="414"/>
+            <p14:sldId id="415"/>
             <p14:sldId id="411"/>
             <p14:sldId id="412"/>
             <p14:sldId id="413"/>
@@ -138,7 +144,7 @@
 <p1510:revInfo xmlns:a="http://schemas.openxmlformats.org/drawingml/2006/main" xmlns:r="http://schemas.openxmlformats.org/officeDocument/2006/relationships" xmlns:p1510="http://schemas.microsoft.com/office/powerpoint/2015/10/main">
   <p1510:revLst>
     <p1510:client id="{5566DFB7-7EF4-4F25-BF3A-34BB468D85B0}" v="1" dt="2023-01-23T17:03:39.621"/>
-    <p1510:client id="{FE9B4CA0-16AB-4866-A9DE-3A793F66D127}" v="16" dt="2023-01-23T17:11:50.996"/>
+    <p1510:client id="{FE9B4CA0-16AB-4866-A9DE-3A793F66D127}" v="18" dt="2023-01-23T17:59:10.409"/>
   </p1510:revLst>
 </p1510:revInfo>
 </file>
@@ -364,8 +370,8 @@
   </pc:docChgLst>
   <pc:docChgLst>
     <pc:chgData name="hirose taichi" userId="ed2dc4b0-8795-4813-ada8-f41a239e7d7d" providerId="ADAL" clId="{FE9B4CA0-16AB-4866-A9DE-3A793F66D127}"/>
-    <pc:docChg chg="undo custSel addSld delSld modSld modSection">
-      <pc:chgData name="hirose taichi" userId="ed2dc4b0-8795-4813-ada8-f41a239e7d7d" providerId="ADAL" clId="{FE9B4CA0-16AB-4866-A9DE-3A793F66D127}" dt="2023-01-23T17:12:00.527" v="195" actId="1076"/>
+    <pc:docChg chg="undo custSel addSld delSld modSld sldOrd modSection">
+      <pc:chgData name="hirose taichi" userId="ed2dc4b0-8795-4813-ada8-f41a239e7d7d" providerId="ADAL" clId="{FE9B4CA0-16AB-4866-A9DE-3A793F66D127}" dt="2023-01-23T18:01:36.323" v="297" actId="1032"/>
       <pc:docMkLst>
         <pc:docMk/>
       </pc:docMkLst>
@@ -802,9 +808,2524 @@
           </ac:spMkLst>
         </pc:spChg>
       </pc:sldChg>
+      <pc:sldChg chg="modSp new mod">
+        <pc:chgData name="hirose taichi" userId="ed2dc4b0-8795-4813-ada8-f41a239e7d7d" providerId="ADAL" clId="{FE9B4CA0-16AB-4866-A9DE-3A793F66D127}" dt="2023-01-23T17:59:04.250" v="225" actId="20577"/>
+        <pc:sldMkLst>
+          <pc:docMk/>
+          <pc:sldMk cId="1634738298" sldId="414"/>
+        </pc:sldMkLst>
+        <pc:spChg chg="mod">
+          <ac:chgData name="hirose taichi" userId="ed2dc4b0-8795-4813-ada8-f41a239e7d7d" providerId="ADAL" clId="{FE9B4CA0-16AB-4866-A9DE-3A793F66D127}" dt="2023-01-23T17:59:04.250" v="225" actId="20577"/>
+          <ac:spMkLst>
+            <pc:docMk/>
+            <pc:sldMk cId="1634738298" sldId="414"/>
+            <ac:spMk id="4" creationId="{56DEF7D4-6F14-4585-826E-B3F972DC0F9A}"/>
+          </ac:spMkLst>
+        </pc:spChg>
+      </pc:sldChg>
+      <pc:sldChg chg="add">
+        <pc:chgData name="hirose taichi" userId="ed2dc4b0-8795-4813-ada8-f41a239e7d7d" providerId="ADAL" clId="{FE9B4CA0-16AB-4866-A9DE-3A793F66D127}" dt="2023-01-23T17:59:10.151" v="226"/>
+        <pc:sldMkLst>
+          <pc:docMk/>
+          <pc:sldMk cId="196645737" sldId="415"/>
+        </pc:sldMkLst>
+      </pc:sldChg>
+      <pc:sldChg chg="addSp delSp modSp add mod ord">
+        <pc:chgData name="hirose taichi" userId="ed2dc4b0-8795-4813-ada8-f41a239e7d7d" providerId="ADAL" clId="{FE9B4CA0-16AB-4866-A9DE-3A793F66D127}" dt="2023-01-23T18:01:36.323" v="297" actId="1032"/>
+        <pc:sldMkLst>
+          <pc:docMk/>
+          <pc:sldMk cId="3717751916" sldId="416"/>
+        </pc:sldMkLst>
+        <pc:spChg chg="del">
+          <ac:chgData name="hirose taichi" userId="ed2dc4b0-8795-4813-ada8-f41a239e7d7d" providerId="ADAL" clId="{FE9B4CA0-16AB-4866-A9DE-3A793F66D127}" dt="2023-01-23T18:01:36.323" v="297" actId="1032"/>
+          <ac:spMkLst>
+            <pc:docMk/>
+            <pc:sldMk cId="3717751916" sldId="416"/>
+            <ac:spMk id="2" creationId="{E8423DD3-3E4B-4E97-AD36-B066768BD4AC}"/>
+          </ac:spMkLst>
+        </pc:spChg>
+        <pc:spChg chg="mod">
+          <ac:chgData name="hirose taichi" userId="ed2dc4b0-8795-4813-ada8-f41a239e7d7d" providerId="ADAL" clId="{FE9B4CA0-16AB-4866-A9DE-3A793F66D127}" dt="2023-01-23T18:01:05.809" v="296" actId="20577"/>
+          <ac:spMkLst>
+            <pc:docMk/>
+            <pc:sldMk cId="3717751916" sldId="416"/>
+            <ac:spMk id="3" creationId="{2CF19479-C81A-4309-BF59-FEFD2663BA7F}"/>
+          </ac:spMkLst>
+        </pc:spChg>
+        <pc:graphicFrameChg chg="add modGraphic">
+          <ac:chgData name="hirose taichi" userId="ed2dc4b0-8795-4813-ada8-f41a239e7d7d" providerId="ADAL" clId="{FE9B4CA0-16AB-4866-A9DE-3A793F66D127}" dt="2023-01-23T18:01:36.323" v="297" actId="1032"/>
+          <ac:graphicFrameMkLst>
+            <pc:docMk/>
+            <pc:sldMk cId="3717751916" sldId="416"/>
+            <ac:graphicFrameMk id="5" creationId="{A01F95E1-6CB3-4407-AFC2-078B83E1D249}"/>
+          </ac:graphicFrameMkLst>
+        </pc:graphicFrameChg>
+      </pc:sldChg>
     </pc:docChg>
   </pc:docChgLst>
 </pc:chgInfo>
+</file>
+
+<file path=ppt/diagrams/colors1.xml><?xml version="1.0" encoding="utf-8"?>
+<dgm:colorsDef xmlns:dgm="http://schemas.openxmlformats.org/drawingml/2006/diagram" xmlns:a="http://schemas.openxmlformats.org/drawingml/2006/main" uniqueId="urn:microsoft.com/office/officeart/2005/8/colors/accent1_2">
+  <dgm:title val=""/>
+  <dgm:desc val=""/>
+  <dgm:catLst>
+    <dgm:cat type="accent1" pri="11200"/>
+  </dgm:catLst>
+  <dgm:styleLbl name="node0">
+    <dgm:fillClrLst meth="repeat">
+      <a:schemeClr val="accent1"/>
+    </dgm:fillClrLst>
+    <dgm:linClrLst meth="repeat">
+      <a:schemeClr val="lt1"/>
+    </dgm:linClrLst>
+    <dgm:effectClrLst/>
+    <dgm:txLinClrLst/>
+    <dgm:txFillClrLst/>
+    <dgm:txEffectClrLst/>
+  </dgm:styleLbl>
+  <dgm:styleLbl name="alignNode1">
+    <dgm:fillClrLst meth="repeat">
+      <a:schemeClr val="accent1"/>
+    </dgm:fillClrLst>
+    <dgm:linClrLst meth="repeat">
+      <a:schemeClr val="accent1"/>
+    </dgm:linClrLst>
+    <dgm:effectClrLst/>
+    <dgm:txLinClrLst/>
+    <dgm:txFillClrLst/>
+    <dgm:txEffectClrLst/>
+  </dgm:styleLbl>
+  <dgm:styleLbl name="node1">
+    <dgm:fillClrLst meth="repeat">
+      <a:schemeClr val="accent1"/>
+    </dgm:fillClrLst>
+    <dgm:linClrLst meth="repeat">
+      <a:schemeClr val="lt1"/>
+    </dgm:linClrLst>
+    <dgm:effectClrLst/>
+    <dgm:txLinClrLst/>
+    <dgm:txFillClrLst/>
+    <dgm:txEffectClrLst/>
+  </dgm:styleLbl>
+  <dgm:styleLbl name="lnNode1">
+    <dgm:fillClrLst meth="repeat">
+      <a:schemeClr val="accent1"/>
+    </dgm:fillClrLst>
+    <dgm:linClrLst meth="repeat">
+      <a:schemeClr val="lt1"/>
+    </dgm:linClrLst>
+    <dgm:effectClrLst/>
+    <dgm:txLinClrLst/>
+    <dgm:txFillClrLst/>
+    <dgm:txEffectClrLst/>
+  </dgm:styleLbl>
+  <dgm:styleLbl name="vennNode1">
+    <dgm:fillClrLst meth="repeat">
+      <a:schemeClr val="accent1">
+        <a:alpha val="50000"/>
+      </a:schemeClr>
+    </dgm:fillClrLst>
+    <dgm:linClrLst meth="repeat">
+      <a:schemeClr val="lt1"/>
+    </dgm:linClrLst>
+    <dgm:effectClrLst/>
+    <dgm:txLinClrLst/>
+    <dgm:txFillClrLst/>
+    <dgm:txEffectClrLst/>
+  </dgm:styleLbl>
+  <dgm:styleLbl name="node2">
+    <dgm:fillClrLst meth="repeat">
+      <a:schemeClr val="accent1"/>
+    </dgm:fillClrLst>
+    <dgm:linClrLst meth="repeat">
+      <a:schemeClr val="lt1"/>
+    </dgm:linClrLst>
+    <dgm:effectClrLst/>
+    <dgm:txLinClrLst/>
+    <dgm:txFillClrLst/>
+    <dgm:txEffectClrLst/>
+  </dgm:styleLbl>
+  <dgm:styleLbl name="node3">
+    <dgm:fillClrLst meth="repeat">
+      <a:schemeClr val="accent1"/>
+    </dgm:fillClrLst>
+    <dgm:linClrLst meth="repeat">
+      <a:schemeClr val="lt1"/>
+    </dgm:linClrLst>
+    <dgm:effectClrLst/>
+    <dgm:txLinClrLst/>
+    <dgm:txFillClrLst/>
+    <dgm:txEffectClrLst/>
+  </dgm:styleLbl>
+  <dgm:styleLbl name="node4">
+    <dgm:fillClrLst meth="repeat">
+      <a:schemeClr val="accent1"/>
+    </dgm:fillClrLst>
+    <dgm:linClrLst meth="repeat">
+      <a:schemeClr val="lt1"/>
+    </dgm:linClrLst>
+    <dgm:effectClrLst/>
+    <dgm:txLinClrLst/>
+    <dgm:txFillClrLst/>
+    <dgm:txEffectClrLst/>
+  </dgm:styleLbl>
+  <dgm:styleLbl name="fgImgPlace1">
+    <dgm:fillClrLst meth="repeat">
+      <a:schemeClr val="accent1">
+        <a:tint val="50000"/>
+      </a:schemeClr>
+    </dgm:fillClrLst>
+    <dgm:linClrLst meth="repeat">
+      <a:schemeClr val="lt1"/>
+    </dgm:linClrLst>
+    <dgm:effectClrLst/>
+    <dgm:txLinClrLst/>
+    <dgm:txFillClrLst meth="repeat">
+      <a:schemeClr val="lt1"/>
+    </dgm:txFillClrLst>
+    <dgm:txEffectClrLst/>
+  </dgm:styleLbl>
+  <dgm:styleLbl name="alignImgPlace1">
+    <dgm:fillClrLst meth="repeat">
+      <a:schemeClr val="accent1">
+        <a:tint val="50000"/>
+      </a:schemeClr>
+    </dgm:fillClrLst>
+    <dgm:linClrLst meth="repeat">
+      <a:schemeClr val="lt1"/>
+    </dgm:linClrLst>
+    <dgm:effectClrLst/>
+    <dgm:txLinClrLst/>
+    <dgm:txFillClrLst meth="repeat">
+      <a:schemeClr val="lt1"/>
+    </dgm:txFillClrLst>
+    <dgm:txEffectClrLst/>
+  </dgm:styleLbl>
+  <dgm:styleLbl name="bgImgPlace1">
+    <dgm:fillClrLst meth="repeat">
+      <a:schemeClr val="accent1">
+        <a:tint val="50000"/>
+      </a:schemeClr>
+    </dgm:fillClrLst>
+    <dgm:linClrLst meth="repeat">
+      <a:schemeClr val="lt1"/>
+    </dgm:linClrLst>
+    <dgm:effectClrLst/>
+    <dgm:txLinClrLst/>
+    <dgm:txFillClrLst meth="repeat">
+      <a:schemeClr val="lt1"/>
+    </dgm:txFillClrLst>
+    <dgm:txEffectClrLst/>
+  </dgm:styleLbl>
+  <dgm:styleLbl name="sibTrans2D1">
+    <dgm:fillClrLst meth="repeat">
+      <a:schemeClr val="accent1">
+        <a:tint val="60000"/>
+      </a:schemeClr>
+    </dgm:fillClrLst>
+    <dgm:linClrLst meth="repeat">
+      <a:schemeClr val="accent1">
+        <a:tint val="60000"/>
+      </a:schemeClr>
+    </dgm:linClrLst>
+    <dgm:effectClrLst/>
+    <dgm:txLinClrLst/>
+    <dgm:txFillClrLst/>
+    <dgm:txEffectClrLst/>
+  </dgm:styleLbl>
+  <dgm:styleLbl name="fgSibTrans2D1">
+    <dgm:fillClrLst meth="repeat">
+      <a:schemeClr val="accent1">
+        <a:tint val="60000"/>
+      </a:schemeClr>
+    </dgm:fillClrLst>
+    <dgm:linClrLst meth="repeat">
+      <a:schemeClr val="accent1">
+        <a:tint val="60000"/>
+      </a:schemeClr>
+    </dgm:linClrLst>
+    <dgm:effectClrLst/>
+    <dgm:txLinClrLst/>
+    <dgm:txFillClrLst/>
+    <dgm:txEffectClrLst/>
+  </dgm:styleLbl>
+  <dgm:styleLbl name="bgSibTrans2D1">
+    <dgm:fillClrLst meth="repeat">
+      <a:schemeClr val="accent1">
+        <a:tint val="60000"/>
+      </a:schemeClr>
+    </dgm:fillClrLst>
+    <dgm:linClrLst meth="repeat">
+      <a:schemeClr val="accent1">
+        <a:tint val="60000"/>
+      </a:schemeClr>
+    </dgm:linClrLst>
+    <dgm:effectClrLst/>
+    <dgm:txLinClrLst/>
+    <dgm:txFillClrLst/>
+    <dgm:txEffectClrLst/>
+  </dgm:styleLbl>
+  <dgm:styleLbl name="sibTrans1D1">
+    <dgm:fillClrLst meth="repeat">
+      <a:schemeClr val="accent1"/>
+    </dgm:fillClrLst>
+    <dgm:linClrLst meth="repeat">
+      <a:schemeClr val="accent1"/>
+    </dgm:linClrLst>
+    <dgm:effectClrLst/>
+    <dgm:txLinClrLst/>
+    <dgm:txFillClrLst meth="repeat">
+      <a:schemeClr val="tx1"/>
+    </dgm:txFillClrLst>
+    <dgm:txEffectClrLst/>
+  </dgm:styleLbl>
+  <dgm:styleLbl name="callout">
+    <dgm:fillClrLst meth="repeat">
+      <a:schemeClr val="accent1"/>
+    </dgm:fillClrLst>
+    <dgm:linClrLst meth="repeat">
+      <a:schemeClr val="accent1">
+        <a:tint val="50000"/>
+      </a:schemeClr>
+    </dgm:linClrLst>
+    <dgm:effectClrLst/>
+    <dgm:txLinClrLst/>
+    <dgm:txFillClrLst meth="repeat">
+      <a:schemeClr val="tx1"/>
+    </dgm:txFillClrLst>
+    <dgm:txEffectClrLst/>
+  </dgm:styleLbl>
+  <dgm:styleLbl name="asst0">
+    <dgm:fillClrLst meth="repeat">
+      <a:schemeClr val="accent1"/>
+    </dgm:fillClrLst>
+    <dgm:linClrLst meth="repeat">
+      <a:schemeClr val="lt1"/>
+    </dgm:linClrLst>
+    <dgm:effectClrLst/>
+    <dgm:txLinClrLst/>
+    <dgm:txFillClrLst/>
+    <dgm:txEffectClrLst/>
+  </dgm:styleLbl>
+  <dgm:styleLbl name="asst1">
+    <dgm:fillClrLst meth="repeat">
+      <a:schemeClr val="accent1"/>
+    </dgm:fillClrLst>
+    <dgm:linClrLst meth="repeat">
+      <a:schemeClr val="lt1"/>
+    </dgm:linClrLst>
+    <dgm:effectClrLst/>
+    <dgm:txLinClrLst/>
+    <dgm:txFillClrLst/>
+    <dgm:txEffectClrLst/>
+  </dgm:styleLbl>
+  <dgm:styleLbl name="asst2">
+    <dgm:fillClrLst meth="repeat">
+      <a:schemeClr val="accent1"/>
+    </dgm:fillClrLst>
+    <dgm:linClrLst meth="repeat">
+      <a:schemeClr val="lt1"/>
+    </dgm:linClrLst>
+    <dgm:effectClrLst/>
+    <dgm:txLinClrLst/>
+    <dgm:txFillClrLst/>
+    <dgm:txEffectClrLst/>
+  </dgm:styleLbl>
+  <dgm:styleLbl name="asst3">
+    <dgm:fillClrLst meth="repeat">
+      <a:schemeClr val="accent1"/>
+    </dgm:fillClrLst>
+    <dgm:linClrLst meth="repeat">
+      <a:schemeClr val="lt1"/>
+    </dgm:linClrLst>
+    <dgm:effectClrLst/>
+    <dgm:txLinClrLst/>
+    <dgm:txFillClrLst/>
+    <dgm:txEffectClrLst/>
+  </dgm:styleLbl>
+  <dgm:styleLbl name="asst4">
+    <dgm:fillClrLst meth="repeat">
+      <a:schemeClr val="accent1"/>
+    </dgm:fillClrLst>
+    <dgm:linClrLst meth="repeat">
+      <a:schemeClr val="lt1"/>
+    </dgm:linClrLst>
+    <dgm:effectClrLst/>
+    <dgm:txLinClrLst/>
+    <dgm:txFillClrLst/>
+    <dgm:txEffectClrLst/>
+  </dgm:styleLbl>
+  <dgm:styleLbl name="parChTrans2D1">
+    <dgm:fillClrLst meth="repeat">
+      <a:schemeClr val="accent1">
+        <a:tint val="60000"/>
+      </a:schemeClr>
+    </dgm:fillClrLst>
+    <dgm:linClrLst meth="repeat">
+      <a:schemeClr val="accent1">
+        <a:tint val="60000"/>
+      </a:schemeClr>
+    </dgm:linClrLst>
+    <dgm:effectClrLst/>
+    <dgm:txLinClrLst/>
+    <dgm:txFillClrLst meth="repeat">
+      <a:schemeClr val="lt1"/>
+    </dgm:txFillClrLst>
+    <dgm:txEffectClrLst/>
+  </dgm:styleLbl>
+  <dgm:styleLbl name="parChTrans2D2">
+    <dgm:fillClrLst meth="repeat">
+      <a:schemeClr val="accent1"/>
+    </dgm:fillClrLst>
+    <dgm:linClrLst meth="repeat">
+      <a:schemeClr val="accent1"/>
+    </dgm:linClrLst>
+    <dgm:effectClrLst/>
+    <dgm:txLinClrLst/>
+    <dgm:txFillClrLst meth="repeat">
+      <a:schemeClr val="lt1"/>
+    </dgm:txFillClrLst>
+    <dgm:txEffectClrLst/>
+  </dgm:styleLbl>
+  <dgm:styleLbl name="parChTrans2D3">
+    <dgm:fillClrLst meth="repeat">
+      <a:schemeClr val="accent1"/>
+    </dgm:fillClrLst>
+    <dgm:linClrLst meth="repeat">
+      <a:schemeClr val="accent1"/>
+    </dgm:linClrLst>
+    <dgm:effectClrLst/>
+    <dgm:txLinClrLst/>
+    <dgm:txFillClrLst meth="repeat">
+      <a:schemeClr val="lt1"/>
+    </dgm:txFillClrLst>
+    <dgm:txEffectClrLst/>
+  </dgm:styleLbl>
+  <dgm:styleLbl name="parChTrans2D4">
+    <dgm:fillClrLst meth="repeat">
+      <a:schemeClr val="accent1"/>
+    </dgm:fillClrLst>
+    <dgm:linClrLst meth="repeat">
+      <a:schemeClr val="accent1"/>
+    </dgm:linClrLst>
+    <dgm:effectClrLst/>
+    <dgm:txLinClrLst/>
+    <dgm:txFillClrLst meth="repeat">
+      <a:schemeClr val="lt1"/>
+    </dgm:txFillClrLst>
+    <dgm:txEffectClrLst/>
+  </dgm:styleLbl>
+  <dgm:styleLbl name="parChTrans1D1">
+    <dgm:fillClrLst meth="repeat">
+      <a:schemeClr val="accent1"/>
+    </dgm:fillClrLst>
+    <dgm:linClrLst meth="repeat">
+      <a:schemeClr val="accent1">
+        <a:shade val="60000"/>
+      </a:schemeClr>
+    </dgm:linClrLst>
+    <dgm:effectClrLst/>
+    <dgm:txLinClrLst/>
+    <dgm:txFillClrLst meth="repeat">
+      <a:schemeClr val="tx1"/>
+    </dgm:txFillClrLst>
+    <dgm:txEffectClrLst/>
+  </dgm:styleLbl>
+  <dgm:styleLbl name="parChTrans1D2">
+    <dgm:fillClrLst meth="repeat">
+      <a:schemeClr val="accent1"/>
+    </dgm:fillClrLst>
+    <dgm:linClrLst meth="repeat">
+      <a:schemeClr val="accent1">
+        <a:shade val="60000"/>
+      </a:schemeClr>
+    </dgm:linClrLst>
+    <dgm:effectClrLst/>
+    <dgm:txLinClrLst/>
+    <dgm:txFillClrLst meth="repeat">
+      <a:schemeClr val="tx1"/>
+    </dgm:txFillClrLst>
+    <dgm:txEffectClrLst/>
+  </dgm:styleLbl>
+  <dgm:styleLbl name="parChTrans1D3">
+    <dgm:fillClrLst meth="repeat">
+      <a:schemeClr val="accent1"/>
+    </dgm:fillClrLst>
+    <dgm:linClrLst meth="repeat">
+      <a:schemeClr val="accent1">
+        <a:shade val="80000"/>
+      </a:schemeClr>
+    </dgm:linClrLst>
+    <dgm:effectClrLst/>
+    <dgm:txLinClrLst/>
+    <dgm:txFillClrLst meth="repeat">
+      <a:schemeClr val="tx1"/>
+    </dgm:txFillClrLst>
+    <dgm:txEffectClrLst/>
+  </dgm:styleLbl>
+  <dgm:styleLbl name="parChTrans1D4">
+    <dgm:fillClrLst meth="repeat">
+      <a:schemeClr val="accent1"/>
+    </dgm:fillClrLst>
+    <dgm:linClrLst meth="repeat">
+      <a:schemeClr val="accent1">
+        <a:shade val="80000"/>
+      </a:schemeClr>
+    </dgm:linClrLst>
+    <dgm:effectClrLst/>
+    <dgm:txLinClrLst/>
+    <dgm:txFillClrLst meth="repeat">
+      <a:schemeClr val="tx1"/>
+    </dgm:txFillClrLst>
+    <dgm:txEffectClrLst/>
+  </dgm:styleLbl>
+  <dgm:styleLbl name="fgAcc1">
+    <dgm:fillClrLst meth="repeat">
+      <a:schemeClr val="lt1">
+        <a:alpha val="90000"/>
+      </a:schemeClr>
+    </dgm:fillClrLst>
+    <dgm:linClrLst meth="repeat">
+      <a:schemeClr val="accent1"/>
+    </dgm:linClrLst>
+    <dgm:effectClrLst/>
+    <dgm:txLinClrLst/>
+    <dgm:txFillClrLst meth="repeat">
+      <a:schemeClr val="dk1"/>
+    </dgm:txFillClrLst>
+    <dgm:txEffectClrLst/>
+  </dgm:styleLbl>
+  <dgm:styleLbl name="conFgAcc1">
+    <dgm:fillClrLst meth="repeat">
+      <a:schemeClr val="lt1">
+        <a:alpha val="90000"/>
+      </a:schemeClr>
+    </dgm:fillClrLst>
+    <dgm:linClrLst meth="repeat">
+      <a:schemeClr val="accent1"/>
+    </dgm:linClrLst>
+    <dgm:effectClrLst/>
+    <dgm:txLinClrLst/>
+    <dgm:txFillClrLst meth="repeat">
+      <a:schemeClr val="dk1"/>
+    </dgm:txFillClrLst>
+    <dgm:txEffectClrLst/>
+  </dgm:styleLbl>
+  <dgm:styleLbl name="alignAcc1">
+    <dgm:fillClrLst meth="repeat">
+      <a:schemeClr val="lt1">
+        <a:alpha val="90000"/>
+      </a:schemeClr>
+    </dgm:fillClrLst>
+    <dgm:linClrLst meth="repeat">
+      <a:schemeClr val="accent1"/>
+    </dgm:linClrLst>
+    <dgm:effectClrLst/>
+    <dgm:txLinClrLst/>
+    <dgm:txFillClrLst meth="repeat">
+      <a:schemeClr val="dk1"/>
+    </dgm:txFillClrLst>
+    <dgm:txEffectClrLst/>
+  </dgm:styleLbl>
+  <dgm:styleLbl name="trAlignAcc1">
+    <dgm:fillClrLst meth="repeat">
+      <a:schemeClr val="lt1">
+        <a:alpha val="40000"/>
+      </a:schemeClr>
+    </dgm:fillClrLst>
+    <dgm:linClrLst meth="repeat">
+      <a:schemeClr val="accent1"/>
+    </dgm:linClrLst>
+    <dgm:effectClrLst/>
+    <dgm:txLinClrLst/>
+    <dgm:txFillClrLst meth="repeat">
+      <a:schemeClr val="dk1"/>
+    </dgm:txFillClrLst>
+    <dgm:txEffectClrLst/>
+  </dgm:styleLbl>
+  <dgm:styleLbl name="bgAcc1">
+    <dgm:fillClrLst meth="repeat">
+      <a:schemeClr val="lt1">
+        <a:alpha val="90000"/>
+      </a:schemeClr>
+    </dgm:fillClrLst>
+    <dgm:linClrLst meth="repeat">
+      <a:schemeClr val="accent1"/>
+    </dgm:linClrLst>
+    <dgm:effectClrLst/>
+    <dgm:txLinClrLst/>
+    <dgm:txFillClrLst meth="repeat">
+      <a:schemeClr val="dk1"/>
+    </dgm:txFillClrLst>
+    <dgm:txEffectClrLst/>
+  </dgm:styleLbl>
+  <dgm:styleLbl name="solidFgAcc1">
+    <dgm:fillClrLst meth="repeat">
+      <a:schemeClr val="lt1"/>
+    </dgm:fillClrLst>
+    <dgm:linClrLst meth="repeat">
+      <a:schemeClr val="accent1"/>
+    </dgm:linClrLst>
+    <dgm:effectClrLst/>
+    <dgm:txLinClrLst/>
+    <dgm:txFillClrLst meth="repeat">
+      <a:schemeClr val="dk1"/>
+    </dgm:txFillClrLst>
+    <dgm:txEffectClrLst/>
+  </dgm:styleLbl>
+  <dgm:styleLbl name="solidAlignAcc1">
+    <dgm:fillClrLst meth="repeat">
+      <a:schemeClr val="lt1"/>
+    </dgm:fillClrLst>
+    <dgm:linClrLst meth="repeat">
+      <a:schemeClr val="accent1"/>
+    </dgm:linClrLst>
+    <dgm:effectClrLst/>
+    <dgm:txLinClrLst/>
+    <dgm:txFillClrLst meth="repeat">
+      <a:schemeClr val="dk1"/>
+    </dgm:txFillClrLst>
+    <dgm:txEffectClrLst/>
+  </dgm:styleLbl>
+  <dgm:styleLbl name="solidBgAcc1">
+    <dgm:fillClrLst meth="repeat">
+      <a:schemeClr val="lt1"/>
+    </dgm:fillClrLst>
+    <dgm:linClrLst meth="repeat">
+      <a:schemeClr val="accent1"/>
+    </dgm:linClrLst>
+    <dgm:effectClrLst/>
+    <dgm:txLinClrLst/>
+    <dgm:txFillClrLst meth="repeat">
+      <a:schemeClr val="dk1"/>
+    </dgm:txFillClrLst>
+    <dgm:txEffectClrLst/>
+  </dgm:styleLbl>
+  <dgm:styleLbl name="fgAccFollowNode1">
+    <dgm:fillClrLst meth="repeat">
+      <a:schemeClr val="accent1">
+        <a:alpha val="90000"/>
+        <a:tint val="40000"/>
+      </a:schemeClr>
+    </dgm:fillClrLst>
+    <dgm:linClrLst meth="repeat">
+      <a:schemeClr val="accent1">
+        <a:alpha val="90000"/>
+        <a:tint val="40000"/>
+      </a:schemeClr>
+    </dgm:linClrLst>
+    <dgm:effectClrLst/>
+    <dgm:txLinClrLst/>
+    <dgm:txFillClrLst meth="repeat">
+      <a:schemeClr val="dk1"/>
+    </dgm:txFillClrLst>
+    <dgm:txEffectClrLst/>
+  </dgm:styleLbl>
+  <dgm:styleLbl name="alignAccFollowNode1">
+    <dgm:fillClrLst meth="repeat">
+      <a:schemeClr val="accent1">
+        <a:alpha val="90000"/>
+        <a:tint val="40000"/>
+      </a:schemeClr>
+    </dgm:fillClrLst>
+    <dgm:linClrLst meth="repeat">
+      <a:schemeClr val="accent1">
+        <a:alpha val="90000"/>
+        <a:tint val="40000"/>
+      </a:schemeClr>
+    </dgm:linClrLst>
+    <dgm:effectClrLst/>
+    <dgm:txLinClrLst/>
+    <dgm:txFillClrLst meth="repeat">
+      <a:schemeClr val="dk1"/>
+    </dgm:txFillClrLst>
+    <dgm:txEffectClrLst/>
+  </dgm:styleLbl>
+  <dgm:styleLbl name="bgAccFollowNode1">
+    <dgm:fillClrLst meth="repeat">
+      <a:schemeClr val="accent1">
+        <a:alpha val="90000"/>
+        <a:tint val="40000"/>
+      </a:schemeClr>
+    </dgm:fillClrLst>
+    <dgm:linClrLst meth="repeat">
+      <a:schemeClr val="accent1">
+        <a:alpha val="90000"/>
+        <a:tint val="40000"/>
+      </a:schemeClr>
+    </dgm:linClrLst>
+    <dgm:effectClrLst/>
+    <dgm:txLinClrLst/>
+    <dgm:txFillClrLst meth="repeat">
+      <a:schemeClr val="dk1"/>
+    </dgm:txFillClrLst>
+    <dgm:txEffectClrLst/>
+  </dgm:styleLbl>
+  <dgm:styleLbl name="fgAcc0">
+    <dgm:fillClrLst meth="repeat">
+      <a:schemeClr val="lt1">
+        <a:alpha val="90000"/>
+      </a:schemeClr>
+    </dgm:fillClrLst>
+    <dgm:linClrLst meth="repeat">
+      <a:schemeClr val="accent1"/>
+    </dgm:linClrLst>
+    <dgm:effectClrLst/>
+    <dgm:txLinClrLst/>
+    <dgm:txFillClrLst meth="repeat">
+      <a:schemeClr val="dk1"/>
+    </dgm:txFillClrLst>
+    <dgm:txEffectClrLst/>
+  </dgm:styleLbl>
+  <dgm:styleLbl name="fgAcc2">
+    <dgm:fillClrLst meth="repeat">
+      <a:schemeClr val="lt1">
+        <a:alpha val="90000"/>
+      </a:schemeClr>
+    </dgm:fillClrLst>
+    <dgm:linClrLst meth="repeat">
+      <a:schemeClr val="accent1"/>
+    </dgm:linClrLst>
+    <dgm:effectClrLst/>
+    <dgm:txLinClrLst/>
+    <dgm:txFillClrLst meth="repeat">
+      <a:schemeClr val="dk1"/>
+    </dgm:txFillClrLst>
+    <dgm:txEffectClrLst/>
+  </dgm:styleLbl>
+  <dgm:styleLbl name="fgAcc3">
+    <dgm:fillClrLst meth="repeat">
+      <a:schemeClr val="lt1">
+        <a:alpha val="90000"/>
+      </a:schemeClr>
+    </dgm:fillClrLst>
+    <dgm:linClrLst meth="repeat">
+      <a:schemeClr val="accent1"/>
+    </dgm:linClrLst>
+    <dgm:effectClrLst/>
+    <dgm:txLinClrLst/>
+    <dgm:txFillClrLst meth="repeat">
+      <a:schemeClr val="dk1"/>
+    </dgm:txFillClrLst>
+    <dgm:txEffectClrLst/>
+  </dgm:styleLbl>
+  <dgm:styleLbl name="fgAcc4">
+    <dgm:fillClrLst meth="repeat">
+      <a:schemeClr val="lt1">
+        <a:alpha val="90000"/>
+      </a:schemeClr>
+    </dgm:fillClrLst>
+    <dgm:linClrLst meth="repeat">
+      <a:schemeClr val="accent1"/>
+    </dgm:linClrLst>
+    <dgm:effectClrLst/>
+    <dgm:txLinClrLst/>
+    <dgm:txFillClrLst meth="repeat">
+      <a:schemeClr val="dk1"/>
+    </dgm:txFillClrLst>
+    <dgm:txEffectClrLst/>
+  </dgm:styleLbl>
+  <dgm:styleLbl name="bgShp">
+    <dgm:fillClrLst meth="repeat">
+      <a:schemeClr val="accent1">
+        <a:tint val="40000"/>
+      </a:schemeClr>
+    </dgm:fillClrLst>
+    <dgm:linClrLst meth="repeat">
+      <a:schemeClr val="accent1"/>
+    </dgm:linClrLst>
+    <dgm:effectClrLst/>
+    <dgm:txLinClrLst/>
+    <dgm:txFillClrLst meth="repeat">
+      <a:schemeClr val="dk1"/>
+    </dgm:txFillClrLst>
+    <dgm:txEffectClrLst/>
+  </dgm:styleLbl>
+  <dgm:styleLbl name="dkBgShp">
+    <dgm:fillClrLst meth="repeat">
+      <a:schemeClr val="accent1">
+        <a:shade val="80000"/>
+      </a:schemeClr>
+    </dgm:fillClrLst>
+    <dgm:linClrLst meth="repeat">
+      <a:schemeClr val="accent1"/>
+    </dgm:linClrLst>
+    <dgm:effectClrLst/>
+    <dgm:txLinClrLst/>
+    <dgm:txFillClrLst meth="repeat">
+      <a:schemeClr val="lt1"/>
+    </dgm:txFillClrLst>
+    <dgm:txEffectClrLst/>
+  </dgm:styleLbl>
+  <dgm:styleLbl name="trBgShp">
+    <dgm:fillClrLst meth="repeat">
+      <a:schemeClr val="accent1">
+        <a:tint val="50000"/>
+        <a:alpha val="40000"/>
+      </a:schemeClr>
+    </dgm:fillClrLst>
+    <dgm:linClrLst meth="repeat">
+      <a:schemeClr val="accent1"/>
+    </dgm:linClrLst>
+    <dgm:effectClrLst/>
+    <dgm:txLinClrLst/>
+    <dgm:txFillClrLst meth="repeat">
+      <a:schemeClr val="lt1"/>
+    </dgm:txFillClrLst>
+    <dgm:txEffectClrLst/>
+  </dgm:styleLbl>
+  <dgm:styleLbl name="fgShp">
+    <dgm:fillClrLst meth="repeat">
+      <a:schemeClr val="accent1">
+        <a:tint val="60000"/>
+      </a:schemeClr>
+    </dgm:fillClrLst>
+    <dgm:linClrLst meth="repeat">
+      <a:schemeClr val="lt1"/>
+    </dgm:linClrLst>
+    <dgm:effectClrLst/>
+    <dgm:txLinClrLst/>
+    <dgm:txFillClrLst meth="repeat">
+      <a:schemeClr val="dk1"/>
+    </dgm:txFillClrLst>
+    <dgm:txEffectClrLst/>
+  </dgm:styleLbl>
+  <dgm:styleLbl name="revTx">
+    <dgm:fillClrLst meth="repeat">
+      <a:schemeClr val="lt1">
+        <a:alpha val="0"/>
+      </a:schemeClr>
+    </dgm:fillClrLst>
+    <dgm:linClrLst meth="repeat">
+      <a:schemeClr val="dk1">
+        <a:alpha val="0"/>
+      </a:schemeClr>
+    </dgm:linClrLst>
+    <dgm:effectClrLst/>
+    <dgm:txLinClrLst/>
+    <dgm:txFillClrLst meth="repeat">
+      <a:schemeClr val="tx1"/>
+    </dgm:txFillClrLst>
+    <dgm:txEffectClrLst/>
+  </dgm:styleLbl>
+</dgm:colorsDef>
+</file>
+
+<file path=ppt/diagrams/data1.xml><?xml version="1.0" encoding="utf-8"?>
+<dgm:dataModel xmlns:dgm="http://schemas.openxmlformats.org/drawingml/2006/diagram" xmlns:a="http://schemas.openxmlformats.org/drawingml/2006/main">
+  <dgm:ptLst>
+    <dgm:pt modelId="{51881328-E824-422B-A105-0CAE3F7D867B}" type="doc">
+      <dgm:prSet loTypeId="urn:microsoft.com/office/officeart/2005/8/layout/hChevron3" loCatId="process" qsTypeId="urn:microsoft.com/office/officeart/2005/8/quickstyle/simple1" qsCatId="simple" csTypeId="urn:microsoft.com/office/officeart/2005/8/colors/accent1_2" csCatId="accent1" phldr="0"/>
+      <dgm:spPr/>
+    </dgm:pt>
+    <dgm:pt modelId="{DEC2827C-A81A-4625-A066-A245AE575EA2}">
+      <dgm:prSet phldrT="[テキスト]" phldr="1"/>
+      <dgm:spPr/>
+      <dgm:t>
+        <a:bodyPr/>
+        <a:lstStyle/>
+        <a:p>
+          <a:endParaRPr kumimoji="1" lang="ja-JP" altLang="en-US"/>
+        </a:p>
+      </dgm:t>
+    </dgm:pt>
+    <dgm:pt modelId="{2E9B96E1-594E-4C0F-B215-08B5140223CF}" type="parTrans" cxnId="{7EDF1811-EA33-4D43-A2FE-845A7805CA15}">
+      <dgm:prSet/>
+      <dgm:spPr/>
+      <dgm:t>
+        <a:bodyPr/>
+        <a:lstStyle/>
+        <a:p>
+          <a:endParaRPr kumimoji="1" lang="ja-JP" altLang="en-US"/>
+        </a:p>
+      </dgm:t>
+    </dgm:pt>
+    <dgm:pt modelId="{B5F6DEC5-2F8D-4317-8518-B20AE4DB1ACE}" type="sibTrans" cxnId="{7EDF1811-EA33-4D43-A2FE-845A7805CA15}">
+      <dgm:prSet/>
+      <dgm:spPr/>
+      <dgm:t>
+        <a:bodyPr/>
+        <a:lstStyle/>
+        <a:p>
+          <a:endParaRPr kumimoji="1" lang="ja-JP" altLang="en-US"/>
+        </a:p>
+      </dgm:t>
+    </dgm:pt>
+    <dgm:pt modelId="{139F9EA0-2BA8-4408-BC50-EA400D3D82FD}">
+      <dgm:prSet phldrT="[テキスト]" phldr="1"/>
+      <dgm:spPr/>
+      <dgm:t>
+        <a:bodyPr/>
+        <a:lstStyle/>
+        <a:p>
+          <a:endParaRPr kumimoji="1" lang="ja-JP" altLang="en-US"/>
+        </a:p>
+      </dgm:t>
+    </dgm:pt>
+    <dgm:pt modelId="{36560752-D388-4010-AE52-71110BEDA748}" type="parTrans" cxnId="{B4C33F97-D332-4FD5-A596-3E14D758EA48}">
+      <dgm:prSet/>
+      <dgm:spPr/>
+      <dgm:t>
+        <a:bodyPr/>
+        <a:lstStyle/>
+        <a:p>
+          <a:endParaRPr kumimoji="1" lang="ja-JP" altLang="en-US"/>
+        </a:p>
+      </dgm:t>
+    </dgm:pt>
+    <dgm:pt modelId="{44DAEBD4-E644-44EF-9607-5E8CC77A211B}" type="sibTrans" cxnId="{B4C33F97-D332-4FD5-A596-3E14D758EA48}">
+      <dgm:prSet/>
+      <dgm:spPr/>
+      <dgm:t>
+        <a:bodyPr/>
+        <a:lstStyle/>
+        <a:p>
+          <a:endParaRPr kumimoji="1" lang="ja-JP" altLang="en-US"/>
+        </a:p>
+      </dgm:t>
+    </dgm:pt>
+    <dgm:pt modelId="{5AB207A8-6A70-4264-B04E-1815A13FC8EA}">
+      <dgm:prSet phldrT="[テキスト]" phldr="1"/>
+      <dgm:spPr/>
+      <dgm:t>
+        <a:bodyPr/>
+        <a:lstStyle/>
+        <a:p>
+          <a:endParaRPr kumimoji="1" lang="ja-JP" altLang="en-US"/>
+        </a:p>
+      </dgm:t>
+    </dgm:pt>
+    <dgm:pt modelId="{33DC2909-5118-49AE-B0EF-9165B6989574}" type="parTrans" cxnId="{3C78B90D-A2E6-4579-9AA4-11656BD0902A}">
+      <dgm:prSet/>
+      <dgm:spPr/>
+      <dgm:t>
+        <a:bodyPr/>
+        <a:lstStyle/>
+        <a:p>
+          <a:endParaRPr kumimoji="1" lang="ja-JP" altLang="en-US"/>
+        </a:p>
+      </dgm:t>
+    </dgm:pt>
+    <dgm:pt modelId="{B8F9B5D4-B26B-40C6-A686-B619EAD19F21}" type="sibTrans" cxnId="{3C78B90D-A2E6-4579-9AA4-11656BD0902A}">
+      <dgm:prSet/>
+      <dgm:spPr/>
+      <dgm:t>
+        <a:bodyPr/>
+        <a:lstStyle/>
+        <a:p>
+          <a:endParaRPr kumimoji="1" lang="ja-JP" altLang="en-US"/>
+        </a:p>
+      </dgm:t>
+    </dgm:pt>
+    <dgm:pt modelId="{0F1812C4-64AB-404F-8887-4FF5A9B9CB3A}" type="pres">
+      <dgm:prSet presAssocID="{51881328-E824-422B-A105-0CAE3F7D867B}" presName="Name0" presStyleCnt="0">
+        <dgm:presLayoutVars>
+          <dgm:dir/>
+          <dgm:resizeHandles val="exact"/>
+        </dgm:presLayoutVars>
+      </dgm:prSet>
+      <dgm:spPr/>
+    </dgm:pt>
+    <dgm:pt modelId="{D96292B4-958D-4F92-BD68-F511F67397AF}" type="pres">
+      <dgm:prSet presAssocID="{DEC2827C-A81A-4625-A066-A245AE575EA2}" presName="parTxOnly" presStyleLbl="node1" presStyleIdx="0" presStyleCnt="3">
+        <dgm:presLayoutVars>
+          <dgm:bulletEnabled val="1"/>
+        </dgm:presLayoutVars>
+      </dgm:prSet>
+      <dgm:spPr/>
+    </dgm:pt>
+    <dgm:pt modelId="{D0B96F46-D09F-4D80-90DA-6A8EC657D88E}" type="pres">
+      <dgm:prSet presAssocID="{B5F6DEC5-2F8D-4317-8518-B20AE4DB1ACE}" presName="parSpace" presStyleCnt="0"/>
+      <dgm:spPr/>
+    </dgm:pt>
+    <dgm:pt modelId="{D4CDC068-7C56-41F9-8432-D8BC5A38C8B3}" type="pres">
+      <dgm:prSet presAssocID="{139F9EA0-2BA8-4408-BC50-EA400D3D82FD}" presName="parTxOnly" presStyleLbl="node1" presStyleIdx="1" presStyleCnt="3">
+        <dgm:presLayoutVars>
+          <dgm:bulletEnabled val="1"/>
+        </dgm:presLayoutVars>
+      </dgm:prSet>
+      <dgm:spPr/>
+    </dgm:pt>
+    <dgm:pt modelId="{579BD760-FF54-464C-83BF-2891E363D140}" type="pres">
+      <dgm:prSet presAssocID="{44DAEBD4-E644-44EF-9607-5E8CC77A211B}" presName="parSpace" presStyleCnt="0"/>
+      <dgm:spPr/>
+    </dgm:pt>
+    <dgm:pt modelId="{68B0F8A1-6189-444E-9822-3A5BC328BAD6}" type="pres">
+      <dgm:prSet presAssocID="{5AB207A8-6A70-4264-B04E-1815A13FC8EA}" presName="parTxOnly" presStyleLbl="node1" presStyleIdx="2" presStyleCnt="3">
+        <dgm:presLayoutVars>
+          <dgm:bulletEnabled val="1"/>
+        </dgm:presLayoutVars>
+      </dgm:prSet>
+      <dgm:spPr/>
+    </dgm:pt>
+  </dgm:ptLst>
+  <dgm:cxnLst>
+    <dgm:cxn modelId="{3C78B90D-A2E6-4579-9AA4-11656BD0902A}" srcId="{51881328-E824-422B-A105-0CAE3F7D867B}" destId="{5AB207A8-6A70-4264-B04E-1815A13FC8EA}" srcOrd="2" destOrd="0" parTransId="{33DC2909-5118-49AE-B0EF-9165B6989574}" sibTransId="{B8F9B5D4-B26B-40C6-A686-B619EAD19F21}"/>
+    <dgm:cxn modelId="{7EDF1811-EA33-4D43-A2FE-845A7805CA15}" srcId="{51881328-E824-422B-A105-0CAE3F7D867B}" destId="{DEC2827C-A81A-4625-A066-A245AE575EA2}" srcOrd="0" destOrd="0" parTransId="{2E9B96E1-594E-4C0F-B215-08B5140223CF}" sibTransId="{B5F6DEC5-2F8D-4317-8518-B20AE4DB1ACE}"/>
+    <dgm:cxn modelId="{6DF4D752-7466-4D3B-9E98-C791753EA6C6}" type="presOf" srcId="{5AB207A8-6A70-4264-B04E-1815A13FC8EA}" destId="{68B0F8A1-6189-444E-9822-3A5BC328BAD6}" srcOrd="0" destOrd="0" presId="urn:microsoft.com/office/officeart/2005/8/layout/hChevron3"/>
+    <dgm:cxn modelId="{30369389-17C5-4E5F-A2F1-B1CBC6796181}" type="presOf" srcId="{DEC2827C-A81A-4625-A066-A245AE575EA2}" destId="{D96292B4-958D-4F92-BD68-F511F67397AF}" srcOrd="0" destOrd="0" presId="urn:microsoft.com/office/officeart/2005/8/layout/hChevron3"/>
+    <dgm:cxn modelId="{B4C33F97-D332-4FD5-A596-3E14D758EA48}" srcId="{51881328-E824-422B-A105-0CAE3F7D867B}" destId="{139F9EA0-2BA8-4408-BC50-EA400D3D82FD}" srcOrd="1" destOrd="0" parTransId="{36560752-D388-4010-AE52-71110BEDA748}" sibTransId="{44DAEBD4-E644-44EF-9607-5E8CC77A211B}"/>
+    <dgm:cxn modelId="{81B7C8AD-02BB-4059-8FD6-57A17745494D}" type="presOf" srcId="{51881328-E824-422B-A105-0CAE3F7D867B}" destId="{0F1812C4-64AB-404F-8887-4FF5A9B9CB3A}" srcOrd="0" destOrd="0" presId="urn:microsoft.com/office/officeart/2005/8/layout/hChevron3"/>
+    <dgm:cxn modelId="{3EA83AAE-BF32-4B01-A32D-E144C9EF7940}" type="presOf" srcId="{139F9EA0-2BA8-4408-BC50-EA400D3D82FD}" destId="{D4CDC068-7C56-41F9-8432-D8BC5A38C8B3}" srcOrd="0" destOrd="0" presId="urn:microsoft.com/office/officeart/2005/8/layout/hChevron3"/>
+    <dgm:cxn modelId="{E8045226-01EC-4911-8565-CE21CEB41906}" type="presParOf" srcId="{0F1812C4-64AB-404F-8887-4FF5A9B9CB3A}" destId="{D96292B4-958D-4F92-BD68-F511F67397AF}" srcOrd="0" destOrd="0" presId="urn:microsoft.com/office/officeart/2005/8/layout/hChevron3"/>
+    <dgm:cxn modelId="{4CCB3A18-5221-4353-B5BA-DC4BDE2CF25A}" type="presParOf" srcId="{0F1812C4-64AB-404F-8887-4FF5A9B9CB3A}" destId="{D0B96F46-D09F-4D80-90DA-6A8EC657D88E}" srcOrd="1" destOrd="0" presId="urn:microsoft.com/office/officeart/2005/8/layout/hChevron3"/>
+    <dgm:cxn modelId="{08186321-52BF-4B50-ABC6-AA6A7EE83E6B}" type="presParOf" srcId="{0F1812C4-64AB-404F-8887-4FF5A9B9CB3A}" destId="{D4CDC068-7C56-41F9-8432-D8BC5A38C8B3}" srcOrd="2" destOrd="0" presId="urn:microsoft.com/office/officeart/2005/8/layout/hChevron3"/>
+    <dgm:cxn modelId="{E1E70170-E45A-4B61-BB89-65EC61DA3920}" type="presParOf" srcId="{0F1812C4-64AB-404F-8887-4FF5A9B9CB3A}" destId="{579BD760-FF54-464C-83BF-2891E363D140}" srcOrd="3" destOrd="0" presId="urn:microsoft.com/office/officeart/2005/8/layout/hChevron3"/>
+    <dgm:cxn modelId="{29AB13D3-53D7-4CE7-981B-DAF8A857048F}" type="presParOf" srcId="{0F1812C4-64AB-404F-8887-4FF5A9B9CB3A}" destId="{68B0F8A1-6189-444E-9822-3A5BC328BAD6}" srcOrd="4" destOrd="0" presId="urn:microsoft.com/office/officeart/2005/8/layout/hChevron3"/>
+  </dgm:cxnLst>
+  <dgm:bg/>
+  <dgm:whole/>
+  <dgm:extLst>
+    <a:ext uri="http://schemas.microsoft.com/office/drawing/2008/diagram">
+      <dsp:dataModelExt xmlns:dsp="http://schemas.microsoft.com/office/drawing/2008/diagram" relId="rId6" minVer="http://schemas.openxmlformats.org/drawingml/2006/diagram"/>
+    </a:ext>
+  </dgm:extLst>
+</dgm:dataModel>
+</file>
+
+<file path=ppt/diagrams/drawing1.xml><?xml version="1.0" encoding="utf-8"?>
+<dsp:drawing xmlns:dgm="http://schemas.openxmlformats.org/drawingml/2006/diagram" xmlns:dsp="http://schemas.microsoft.com/office/drawing/2008/diagram" xmlns:a="http://schemas.openxmlformats.org/drawingml/2006/main">
+  <dsp:spTree>
+    <dsp:nvGrpSpPr>
+      <dsp:cNvPr id="0" name=""/>
+      <dsp:cNvGrpSpPr/>
+    </dsp:nvGrpSpPr>
+    <dsp:grpSpPr/>
+    <dsp:sp modelId="{D96292B4-958D-4F92-BD68-F511F67397AF}">
+      <dsp:nvSpPr>
+        <dsp:cNvPr id="0" name=""/>
+        <dsp:cNvSpPr/>
+      </dsp:nvSpPr>
+      <dsp:spPr>
+        <a:xfrm>
+          <a:off x="4928" y="1590822"/>
+          <a:ext cx="4309324" cy="1723729"/>
+        </a:xfrm>
+        <a:prstGeom prst="homePlate">
+          <a:avLst/>
+        </a:prstGeom>
+        <a:solidFill>
+          <a:schemeClr val="accent1">
+            <a:hueOff val="0"/>
+            <a:satOff val="0"/>
+            <a:lumOff val="0"/>
+            <a:alphaOff val="0"/>
+          </a:schemeClr>
+        </a:solidFill>
+        <a:ln w="12700" cap="flat" cmpd="sng" algn="ctr">
+          <a:solidFill>
+            <a:schemeClr val="lt1">
+              <a:hueOff val="0"/>
+              <a:satOff val="0"/>
+              <a:lumOff val="0"/>
+              <a:alphaOff val="0"/>
+            </a:schemeClr>
+          </a:solidFill>
+          <a:prstDash val="solid"/>
+          <a:miter lim="800000"/>
+        </a:ln>
+        <a:effectLst/>
+      </dsp:spPr>
+      <dsp:style>
+        <a:lnRef idx="2">
+          <a:scrgbClr r="0" g="0" b="0"/>
+        </a:lnRef>
+        <a:fillRef idx="1">
+          <a:scrgbClr r="0" g="0" b="0"/>
+        </a:fillRef>
+        <a:effectRef idx="0">
+          <a:scrgbClr r="0" g="0" b="0"/>
+        </a:effectRef>
+        <a:fontRef idx="minor">
+          <a:schemeClr val="lt1"/>
+        </a:fontRef>
+      </dsp:style>
+      <dsp:txBody>
+        <a:bodyPr spcFirstLastPara="0" vert="horz" wrap="square" lIns="346710" tIns="173355" rIns="86678" bIns="173355" numCol="1" spcCol="1270" anchor="ctr" anchorCtr="0">
+          <a:noAutofit/>
+        </a:bodyPr>
+        <a:lstStyle/>
+        <a:p>
+          <a:pPr marL="0" lvl="0" indent="0" algn="ctr" defTabSz="2889250">
+            <a:lnSpc>
+              <a:spcPct val="90000"/>
+            </a:lnSpc>
+            <a:spcBef>
+              <a:spcPct val="0"/>
+            </a:spcBef>
+            <a:spcAft>
+              <a:spcPct val="35000"/>
+            </a:spcAft>
+            <a:buNone/>
+          </a:pPr>
+          <a:endParaRPr kumimoji="1" lang="ja-JP" altLang="en-US" sz="6500" kern="1200"/>
+        </a:p>
+      </dsp:txBody>
+      <dsp:txXfrm>
+        <a:off x="4928" y="1590822"/>
+        <a:ext cx="3878392" cy="1723729"/>
+      </dsp:txXfrm>
+    </dsp:sp>
+    <dsp:sp modelId="{D4CDC068-7C56-41F9-8432-D8BC5A38C8B3}">
+      <dsp:nvSpPr>
+        <dsp:cNvPr id="0" name=""/>
+        <dsp:cNvSpPr/>
+      </dsp:nvSpPr>
+      <dsp:spPr>
+        <a:xfrm>
+          <a:off x="3452387" y="1590822"/>
+          <a:ext cx="4309324" cy="1723729"/>
+        </a:xfrm>
+        <a:prstGeom prst="chevron">
+          <a:avLst/>
+        </a:prstGeom>
+        <a:solidFill>
+          <a:schemeClr val="accent1">
+            <a:hueOff val="0"/>
+            <a:satOff val="0"/>
+            <a:lumOff val="0"/>
+            <a:alphaOff val="0"/>
+          </a:schemeClr>
+        </a:solidFill>
+        <a:ln w="12700" cap="flat" cmpd="sng" algn="ctr">
+          <a:solidFill>
+            <a:schemeClr val="lt1">
+              <a:hueOff val="0"/>
+              <a:satOff val="0"/>
+              <a:lumOff val="0"/>
+              <a:alphaOff val="0"/>
+            </a:schemeClr>
+          </a:solidFill>
+          <a:prstDash val="solid"/>
+          <a:miter lim="800000"/>
+        </a:ln>
+        <a:effectLst/>
+      </dsp:spPr>
+      <dsp:style>
+        <a:lnRef idx="2">
+          <a:scrgbClr r="0" g="0" b="0"/>
+        </a:lnRef>
+        <a:fillRef idx="1">
+          <a:scrgbClr r="0" g="0" b="0"/>
+        </a:fillRef>
+        <a:effectRef idx="0">
+          <a:scrgbClr r="0" g="0" b="0"/>
+        </a:effectRef>
+        <a:fontRef idx="minor">
+          <a:schemeClr val="lt1"/>
+        </a:fontRef>
+      </dsp:style>
+      <dsp:txBody>
+        <a:bodyPr spcFirstLastPara="0" vert="horz" wrap="square" lIns="184023" tIns="122682" rIns="61341" bIns="122682" numCol="1" spcCol="1270" anchor="ctr" anchorCtr="0">
+          <a:noAutofit/>
+        </a:bodyPr>
+        <a:lstStyle/>
+        <a:p>
+          <a:pPr marL="0" lvl="0" indent="0" algn="ctr" defTabSz="2044700">
+            <a:lnSpc>
+              <a:spcPct val="90000"/>
+            </a:lnSpc>
+            <a:spcBef>
+              <a:spcPct val="0"/>
+            </a:spcBef>
+            <a:spcAft>
+              <a:spcPct val="35000"/>
+            </a:spcAft>
+            <a:buNone/>
+          </a:pPr>
+          <a:endParaRPr kumimoji="1" lang="ja-JP" altLang="en-US" sz="4600" kern="1200"/>
+        </a:p>
+      </dsp:txBody>
+      <dsp:txXfrm>
+        <a:off x="4314252" y="1590822"/>
+        <a:ext cx="2585595" cy="1723729"/>
+      </dsp:txXfrm>
+    </dsp:sp>
+    <dsp:sp modelId="{68B0F8A1-6189-444E-9822-3A5BC328BAD6}">
+      <dsp:nvSpPr>
+        <dsp:cNvPr id="0" name=""/>
+        <dsp:cNvSpPr/>
+      </dsp:nvSpPr>
+      <dsp:spPr>
+        <a:xfrm>
+          <a:off x="6899847" y="1590822"/>
+          <a:ext cx="4309324" cy="1723729"/>
+        </a:xfrm>
+        <a:prstGeom prst="chevron">
+          <a:avLst/>
+        </a:prstGeom>
+        <a:solidFill>
+          <a:schemeClr val="accent1">
+            <a:hueOff val="0"/>
+            <a:satOff val="0"/>
+            <a:lumOff val="0"/>
+            <a:alphaOff val="0"/>
+          </a:schemeClr>
+        </a:solidFill>
+        <a:ln w="12700" cap="flat" cmpd="sng" algn="ctr">
+          <a:solidFill>
+            <a:schemeClr val="lt1">
+              <a:hueOff val="0"/>
+              <a:satOff val="0"/>
+              <a:lumOff val="0"/>
+              <a:alphaOff val="0"/>
+            </a:schemeClr>
+          </a:solidFill>
+          <a:prstDash val="solid"/>
+          <a:miter lim="800000"/>
+        </a:ln>
+        <a:effectLst/>
+      </dsp:spPr>
+      <dsp:style>
+        <a:lnRef idx="2">
+          <a:scrgbClr r="0" g="0" b="0"/>
+        </a:lnRef>
+        <a:fillRef idx="1">
+          <a:scrgbClr r="0" g="0" b="0"/>
+        </a:fillRef>
+        <a:effectRef idx="0">
+          <a:scrgbClr r="0" g="0" b="0"/>
+        </a:effectRef>
+        <a:fontRef idx="minor">
+          <a:schemeClr val="lt1"/>
+        </a:fontRef>
+      </dsp:style>
+      <dsp:txBody>
+        <a:bodyPr spcFirstLastPara="0" vert="horz" wrap="square" lIns="184023" tIns="122682" rIns="61341" bIns="122682" numCol="1" spcCol="1270" anchor="ctr" anchorCtr="0">
+          <a:noAutofit/>
+        </a:bodyPr>
+        <a:lstStyle/>
+        <a:p>
+          <a:pPr marL="0" lvl="0" indent="0" algn="ctr" defTabSz="2044700">
+            <a:lnSpc>
+              <a:spcPct val="90000"/>
+            </a:lnSpc>
+            <a:spcBef>
+              <a:spcPct val="0"/>
+            </a:spcBef>
+            <a:spcAft>
+              <a:spcPct val="35000"/>
+            </a:spcAft>
+            <a:buNone/>
+          </a:pPr>
+          <a:endParaRPr kumimoji="1" lang="ja-JP" altLang="en-US" sz="4600" kern="1200"/>
+        </a:p>
+      </dsp:txBody>
+      <dsp:txXfrm>
+        <a:off x="7761712" y="1590822"/>
+        <a:ext cx="2585595" cy="1723729"/>
+      </dsp:txXfrm>
+    </dsp:sp>
+  </dsp:spTree>
+</dsp:drawing>
+</file>
+
+<file path=ppt/diagrams/layout1.xml><?xml version="1.0" encoding="utf-8"?>
+<dgm:layoutDef xmlns:dgm="http://schemas.openxmlformats.org/drawingml/2006/diagram" xmlns:a="http://schemas.openxmlformats.org/drawingml/2006/main" uniqueId="urn:microsoft.com/office/officeart/2005/8/layout/hChevron3">
+  <dgm:title val=""/>
+  <dgm:desc val=""/>
+  <dgm:catLst>
+    <dgm:cat type="process" pri="10000"/>
+  </dgm:catLst>
+  <dgm:sampData useDef="1">
+    <dgm:dataModel>
+      <dgm:ptLst/>
+      <dgm:bg/>
+      <dgm:whole/>
+    </dgm:dataModel>
+  </dgm:sampData>
+  <dgm:styleData>
+    <dgm:dataModel>
+      <dgm:ptLst>
+        <dgm:pt modelId="0" type="doc"/>
+        <dgm:pt modelId="1"/>
+        <dgm:pt modelId="2"/>
+      </dgm:ptLst>
+      <dgm:cxnLst>
+        <dgm:cxn modelId="3" srcId="0" destId="1" srcOrd="0" destOrd="0"/>
+        <dgm:cxn modelId="4" srcId="0" destId="2" srcOrd="1" destOrd="0"/>
+      </dgm:cxnLst>
+      <dgm:bg/>
+      <dgm:whole/>
+    </dgm:dataModel>
+  </dgm:styleData>
+  <dgm:clrData>
+    <dgm:dataModel>
+      <dgm:ptLst>
+        <dgm:pt modelId="0" type="doc"/>
+        <dgm:pt modelId="1"/>
+        <dgm:pt modelId="2"/>
+        <dgm:pt modelId="3"/>
+        <dgm:pt modelId="4"/>
+      </dgm:ptLst>
+      <dgm:cxnLst>
+        <dgm:cxn modelId="5" srcId="0" destId="1" srcOrd="0" destOrd="0"/>
+        <dgm:cxn modelId="6" srcId="0" destId="2" srcOrd="1" destOrd="0"/>
+        <dgm:cxn modelId="7" srcId="0" destId="3" srcOrd="2" destOrd="0"/>
+        <dgm:cxn modelId="8" srcId="0" destId="4" srcOrd="3" destOrd="0"/>
+      </dgm:cxnLst>
+      <dgm:bg/>
+      <dgm:whole/>
+    </dgm:dataModel>
+  </dgm:clrData>
+  <dgm:layoutNode name="Name0">
+    <dgm:varLst>
+      <dgm:dir/>
+      <dgm:resizeHandles val="exact"/>
+    </dgm:varLst>
+    <dgm:choose name="Name1">
+      <dgm:if name="Name2" func="var" arg="dir" op="equ" val="norm">
+        <dgm:alg type="lin"/>
+      </dgm:if>
+      <dgm:else name="Name3">
+        <dgm:alg type="lin">
+          <dgm:param type="linDir" val="fromR"/>
+        </dgm:alg>
+      </dgm:else>
+    </dgm:choose>
+    <dgm:shape xmlns:r="http://schemas.openxmlformats.org/officeDocument/2006/relationships" r:blip="">
+      <dgm:adjLst/>
+    </dgm:shape>
+    <dgm:presOf/>
+    <dgm:choose name="Name4">
+      <dgm:if name="Name5" axis="root des" func="maxDepth" op="gte" val="2">
+        <dgm:constrLst>
+          <dgm:constr type="w" for="ch" forName="parAndChTx" refType="w"/>
+          <dgm:constr type="primFontSz" for="ch" ptType="node" op="equ"/>
+          <dgm:constr type="w" for="ch" forName="parAndChSpace" refType="w" refFor="ch" refForName="parAndChTx" fact="-0.2"/>
+          <dgm:constr type="w" for="ch" ptType="sibTrans" op="equ"/>
+        </dgm:constrLst>
+        <dgm:ruleLst/>
+        <dgm:forEach name="Name6" axis="ch" ptType="node">
+          <dgm:layoutNode name="parAndChTx">
+            <dgm:varLst>
+              <dgm:bulletEnabled val="1"/>
+            </dgm:varLst>
+            <dgm:alg type="tx"/>
+            <dgm:choose name="Name7">
+              <dgm:if name="Name8" func="var" arg="dir" op="equ" val="norm">
+                <dgm:choose name="Name9">
+                  <dgm:if name="Name10" axis="self" ptType="node" func="pos" op="equ" val="1">
+                    <dgm:shape xmlns:r="http://schemas.openxmlformats.org/officeDocument/2006/relationships" type="homePlate" r:blip="">
+                      <dgm:adjLst>
+                        <dgm:adj idx="1" val="0.25"/>
+                      </dgm:adjLst>
+                    </dgm:shape>
+                    <dgm:presOf axis="desOrSelf" ptType="node"/>
+                    <dgm:constrLst>
+                      <dgm:constr type="h" refType="w" op="equ" fact="0.8"/>
+                      <dgm:constr type="primFontSz" val="65"/>
+                      <dgm:constr type="tMarg" refType="primFontSz" fact="0.2"/>
+                      <dgm:constr type="bMarg" refType="primFontSz" fact="0.2"/>
+                      <dgm:constr type="lMarg" refType="w" fact="0.1"/>
+                      <dgm:constr type="rMarg" refType="w" fact="0.4"/>
+                    </dgm:constrLst>
+                  </dgm:if>
+                  <dgm:else name="Name11">
+                    <dgm:shape xmlns:r="http://schemas.openxmlformats.org/officeDocument/2006/relationships" type="chevron" r:blip="">
+                      <dgm:adjLst>
+                        <dgm:adj idx="1" val="0.25"/>
+                      </dgm:adjLst>
+                    </dgm:shape>
+                    <dgm:presOf axis="desOrSelf" ptType="node"/>
+                    <dgm:constrLst>
+                      <dgm:constr type="h" refType="w" op="equ" fact="0.8"/>
+                      <dgm:constr type="primFontSz" val="65"/>
+                      <dgm:constr type="tMarg" refType="primFontSz" fact="0.2"/>
+                      <dgm:constr type="bMarg" refType="primFontSz" fact="0.2"/>
+                      <dgm:constr type="lMarg" refType="w" fact="0.1"/>
+                      <dgm:constr type="rMarg" refType="w" fact="0.1"/>
+                    </dgm:constrLst>
+                  </dgm:else>
+                </dgm:choose>
+              </dgm:if>
+              <dgm:else name="Name12">
+                <dgm:choose name="Name13">
+                  <dgm:if name="Name14" axis="self" ptType="node" func="pos" op="equ" val="1">
+                    <dgm:shape xmlns:r="http://schemas.openxmlformats.org/officeDocument/2006/relationships" rot="180" type="homePlate" r:blip="">
+                      <dgm:adjLst>
+                        <dgm:adj idx="1" val="0.25"/>
+                      </dgm:adjLst>
+                    </dgm:shape>
+                    <dgm:presOf axis="desOrSelf" ptType="node"/>
+                    <dgm:constrLst>
+                      <dgm:constr type="h" refType="w" op="equ" fact="0.8"/>
+                      <dgm:constr type="primFontSz" val="65"/>
+                      <dgm:constr type="tMarg" refType="primFontSz" fact="0.2"/>
+                      <dgm:constr type="bMarg" refType="primFontSz" fact="0.2"/>
+                      <dgm:constr type="lMarg" refType="w" fact="0.4"/>
+                      <dgm:constr type="rMarg" refType="w" fact="0.1"/>
+                    </dgm:constrLst>
+                  </dgm:if>
+                  <dgm:else name="Name15">
+                    <dgm:shape xmlns:r="http://schemas.openxmlformats.org/officeDocument/2006/relationships" rot="180" type="chevron" r:blip="">
+                      <dgm:adjLst>
+                        <dgm:adj idx="1" val="0.25"/>
+                      </dgm:adjLst>
+                    </dgm:shape>
+                    <dgm:presOf axis="desOrSelf" ptType="node"/>
+                    <dgm:constrLst>
+                      <dgm:constr type="h" refType="w" op="equ" fact="0.8"/>
+                      <dgm:constr type="primFontSz" val="65"/>
+                      <dgm:constr type="tMarg" refType="primFontSz" fact="0.2"/>
+                      <dgm:constr type="bMarg" refType="primFontSz" fact="0.2"/>
+                      <dgm:constr type="lMarg" refType="w" fact="0.1"/>
+                      <dgm:constr type="rMarg" refType="w" fact="0.1"/>
+                    </dgm:constrLst>
+                  </dgm:else>
+                </dgm:choose>
+              </dgm:else>
+            </dgm:choose>
+            <dgm:ruleLst>
+              <dgm:rule type="primFontSz" val="5" fact="NaN" max="NaN"/>
+            </dgm:ruleLst>
+          </dgm:layoutNode>
+          <dgm:forEach name="Name16" axis="followSib" ptType="sibTrans" cnt="1">
+            <dgm:layoutNode name="parAndChSpace">
+              <dgm:alg type="sp"/>
+              <dgm:shape xmlns:r="http://schemas.openxmlformats.org/officeDocument/2006/relationships" r:blip="">
+                <dgm:adjLst/>
+              </dgm:shape>
+              <dgm:presOf/>
+              <dgm:constrLst/>
+              <dgm:ruleLst/>
+            </dgm:layoutNode>
+          </dgm:forEach>
+        </dgm:forEach>
+      </dgm:if>
+      <dgm:else name="Name17">
+        <dgm:constrLst>
+          <dgm:constr type="w" for="ch" forName="parTxOnly" refType="w"/>
+          <dgm:constr type="primFontSz" for="ch" ptType="node" op="equ"/>
+          <dgm:constr type="w" for="ch" forName="parSpace" refType="w" refFor="ch" refForName="parTxOnly" fact="-0.2"/>
+          <dgm:constr type="w" for="ch" ptType="sibTrans" op="equ"/>
+        </dgm:constrLst>
+        <dgm:ruleLst/>
+        <dgm:forEach name="Name18" axis="ch" ptType="node">
+          <dgm:layoutNode name="parTxOnly">
+            <dgm:varLst>
+              <dgm:bulletEnabled val="1"/>
+            </dgm:varLst>
+            <dgm:alg type="tx"/>
+            <dgm:presOf axis="desOrSelf" ptType="node"/>
+            <dgm:choose name="Name19">
+              <dgm:if name="Name20" func="var" arg="dir" op="equ" val="norm">
+                <dgm:choose name="Name21">
+                  <dgm:if name="Name22" axis="self" ptType="node" func="pos" op="equ" val="1">
+                    <dgm:shape xmlns:r="http://schemas.openxmlformats.org/officeDocument/2006/relationships" type="homePlate" r:blip="">
+                      <dgm:adjLst/>
+                    </dgm:shape>
+                    <dgm:constrLst>
+                      <dgm:constr type="h" refType="w" op="equ" fact="0.4"/>
+                      <dgm:constr type="primFontSz" val="65"/>
+                      <dgm:constr type="tMarg" refType="primFontSz" fact="0.21"/>
+                      <dgm:constr type="bMarg" refType="primFontSz" fact="0.21"/>
+                      <dgm:constr type="lMarg" refType="primFontSz" fact="0.42"/>
+                      <dgm:constr type="rMarg" refType="primFontSz" fact="0.105"/>
+                    </dgm:constrLst>
+                  </dgm:if>
+                  <dgm:else name="Name23">
+                    <dgm:shape xmlns:r="http://schemas.openxmlformats.org/officeDocument/2006/relationships" type="chevron" r:blip="">
+                      <dgm:adjLst/>
+                    </dgm:shape>
+                    <dgm:constrLst>
+                      <dgm:constr type="h" refType="w" op="equ" fact="0.4"/>
+                      <dgm:constr type="primFontSz" val="65"/>
+                      <dgm:constr type="tMarg" refType="primFontSz" fact="0.21"/>
+                      <dgm:constr type="bMarg" refType="primFontSz" fact="0.21"/>
+                      <dgm:constr type="lMarg" refType="primFontSz" fact="0.315"/>
+                      <dgm:constr type="rMarg" refType="primFontSz" fact="0.105"/>
+                    </dgm:constrLst>
+                  </dgm:else>
+                </dgm:choose>
+              </dgm:if>
+              <dgm:else name="Name24">
+                <dgm:choose name="Name25">
+                  <dgm:if name="Name26" axis="self" ptType="node" func="pos" op="equ" val="1">
+                    <dgm:shape xmlns:r="http://schemas.openxmlformats.org/officeDocument/2006/relationships" rot="180" type="homePlate" r:blip="">
+                      <dgm:adjLst/>
+                    </dgm:shape>
+                    <dgm:constrLst>
+                      <dgm:constr type="h" refType="w" op="equ" fact="0.4"/>
+                      <dgm:constr type="primFontSz" val="65"/>
+                      <dgm:constr type="tMarg" refType="primFontSz" fact="0.21"/>
+                      <dgm:constr type="bMarg" refType="primFontSz" fact="0.21"/>
+                      <dgm:constr type="lMarg" refType="primFontSz" fact="0.105"/>
+                      <dgm:constr type="rMarg" refType="primFontSz" fact="0.42"/>
+                    </dgm:constrLst>
+                  </dgm:if>
+                  <dgm:else name="Name27">
+                    <dgm:shape xmlns:r="http://schemas.openxmlformats.org/officeDocument/2006/relationships" rot="180" type="chevron" r:blip="">
+                      <dgm:adjLst/>
+                    </dgm:shape>
+                    <dgm:constrLst>
+                      <dgm:constr type="h" refType="w" op="equ" fact="0.4"/>
+                      <dgm:constr type="primFontSz" val="65"/>
+                      <dgm:constr type="tMarg" refType="primFontSz" fact="0.21"/>
+                      <dgm:constr type="bMarg" refType="primFontSz" fact="0.21"/>
+                      <dgm:constr type="lMarg" refType="primFontSz" fact="0.105"/>
+                      <dgm:constr type="rMarg" refType="primFontSz" fact="0.315"/>
+                    </dgm:constrLst>
+                  </dgm:else>
+                </dgm:choose>
+              </dgm:else>
+            </dgm:choose>
+            <dgm:ruleLst>
+              <dgm:rule type="primFontSz" val="5" fact="NaN" max="NaN"/>
+            </dgm:ruleLst>
+          </dgm:layoutNode>
+          <dgm:forEach name="Name28" axis="followSib" ptType="sibTrans" cnt="1">
+            <dgm:layoutNode name="parSpace">
+              <dgm:alg type="sp"/>
+              <dgm:shape xmlns:r="http://schemas.openxmlformats.org/officeDocument/2006/relationships" r:blip="">
+                <dgm:adjLst/>
+              </dgm:shape>
+              <dgm:presOf/>
+              <dgm:constrLst/>
+              <dgm:ruleLst/>
+            </dgm:layoutNode>
+          </dgm:forEach>
+        </dgm:forEach>
+      </dgm:else>
+    </dgm:choose>
+  </dgm:layoutNode>
+</dgm:layoutDef>
+</file>
+
+<file path=ppt/diagrams/quickStyle1.xml><?xml version="1.0" encoding="utf-8"?>
+<dgm:styleDef xmlns:dgm="http://schemas.openxmlformats.org/drawingml/2006/diagram" xmlns:a="http://schemas.openxmlformats.org/drawingml/2006/main" uniqueId="urn:microsoft.com/office/officeart/2005/8/quickstyle/simple1">
+  <dgm:title val=""/>
+  <dgm:desc val=""/>
+  <dgm:catLst>
+    <dgm:cat type="simple" pri="10100"/>
+  </dgm:catLst>
+  <dgm:scene3d>
+    <a:camera prst="orthographicFront"/>
+    <a:lightRig rig="threePt" dir="t"/>
+  </dgm:scene3d>
+  <dgm:styleLbl name="node0">
+    <dgm:scene3d>
+      <a:camera prst="orthographicFront"/>
+      <a:lightRig rig="threePt" dir="t"/>
+    </dgm:scene3d>
+    <dgm:sp3d/>
+    <dgm:txPr/>
+    <dgm:style>
+      <a:lnRef idx="2">
+        <a:scrgbClr r="0" g="0" b="0"/>
+      </a:lnRef>
+      <a:fillRef idx="1">
+        <a:scrgbClr r="0" g="0" b="0"/>
+      </a:fillRef>
+      <a:effectRef idx="0">
+        <a:scrgbClr r="0" g="0" b="0"/>
+      </a:effectRef>
+      <a:fontRef idx="minor">
+        <a:schemeClr val="lt1"/>
+      </a:fontRef>
+    </dgm:style>
+  </dgm:styleLbl>
+  <dgm:styleLbl name="lnNode1">
+    <dgm:scene3d>
+      <a:camera prst="orthographicFront"/>
+      <a:lightRig rig="threePt" dir="t"/>
+    </dgm:scene3d>
+    <dgm:sp3d/>
+    <dgm:txPr/>
+    <dgm:style>
+      <a:lnRef idx="2">
+        <a:scrgbClr r="0" g="0" b="0"/>
+      </a:lnRef>
+      <a:fillRef idx="1">
+        <a:scrgbClr r="0" g="0" b="0"/>
+      </a:fillRef>
+      <a:effectRef idx="0">
+        <a:scrgbClr r="0" g="0" b="0"/>
+      </a:effectRef>
+      <a:fontRef idx="minor">
+        <a:schemeClr val="lt1"/>
+      </a:fontRef>
+    </dgm:style>
+  </dgm:styleLbl>
+  <dgm:styleLbl name="vennNode1">
+    <dgm:scene3d>
+      <a:camera prst="orthographicFront"/>
+      <a:lightRig rig="threePt" dir="t"/>
+    </dgm:scene3d>
+    <dgm:sp3d/>
+    <dgm:txPr/>
+    <dgm:style>
+      <a:lnRef idx="2">
+        <a:scrgbClr r="0" g="0" b="0"/>
+      </a:lnRef>
+      <a:fillRef idx="1">
+        <a:scrgbClr r="0" g="0" b="0"/>
+      </a:fillRef>
+      <a:effectRef idx="0">
+        <a:scrgbClr r="0" g="0" b="0"/>
+      </a:effectRef>
+      <a:fontRef idx="minor">
+        <a:schemeClr val="tx1"/>
+      </a:fontRef>
+    </dgm:style>
+  </dgm:styleLbl>
+  <dgm:styleLbl name="alignNode1">
+    <dgm:scene3d>
+      <a:camera prst="orthographicFront"/>
+      <a:lightRig rig="threePt" dir="t"/>
+    </dgm:scene3d>
+    <dgm:sp3d/>
+    <dgm:txPr/>
+    <dgm:style>
+      <a:lnRef idx="2">
+        <a:scrgbClr r="0" g="0" b="0"/>
+      </a:lnRef>
+      <a:fillRef idx="1">
+        <a:scrgbClr r="0" g="0" b="0"/>
+      </a:fillRef>
+      <a:effectRef idx="0">
+        <a:scrgbClr r="0" g="0" b="0"/>
+      </a:effectRef>
+      <a:fontRef idx="minor">
+        <a:schemeClr val="lt1"/>
+      </a:fontRef>
+    </dgm:style>
+  </dgm:styleLbl>
+  <dgm:styleLbl name="node1">
+    <dgm:scene3d>
+      <a:camera prst="orthographicFront"/>
+      <a:lightRig rig="threePt" dir="t"/>
+    </dgm:scene3d>
+    <dgm:sp3d/>
+    <dgm:txPr/>
+    <dgm:style>
+      <a:lnRef idx="2">
+        <a:scrgbClr r="0" g="0" b="0"/>
+      </a:lnRef>
+      <a:fillRef idx="1">
+        <a:scrgbClr r="0" g="0" b="0"/>
+      </a:fillRef>
+      <a:effectRef idx="0">
+        <a:scrgbClr r="0" g="0" b="0"/>
+      </a:effectRef>
+      <a:fontRef idx="minor">
+        <a:schemeClr val="lt1"/>
+      </a:fontRef>
+    </dgm:style>
+  </dgm:styleLbl>
+  <dgm:styleLbl name="node2">
+    <dgm:scene3d>
+      <a:camera prst="orthographicFront"/>
+      <a:lightRig rig="threePt" dir="t"/>
+    </dgm:scene3d>
+    <dgm:sp3d/>
+    <dgm:txPr/>
+    <dgm:style>
+      <a:lnRef idx="2">
+        <a:scrgbClr r="0" g="0" b="0"/>
+      </a:lnRef>
+      <a:fillRef idx="1">
+        <a:scrgbClr r="0" g="0" b="0"/>
+      </a:fillRef>
+      <a:effectRef idx="0">
+        <a:scrgbClr r="0" g="0" b="0"/>
+      </a:effectRef>
+      <a:fontRef idx="minor">
+        <a:schemeClr val="lt1"/>
+      </a:fontRef>
+    </dgm:style>
+  </dgm:styleLbl>
+  <dgm:styleLbl name="node3">
+    <dgm:scene3d>
+      <a:camera prst="orthographicFront"/>
+      <a:lightRig rig="threePt" dir="t"/>
+    </dgm:scene3d>
+    <dgm:sp3d/>
+    <dgm:txPr/>
+    <dgm:style>
+      <a:lnRef idx="2">
+        <a:scrgbClr r="0" g="0" b="0"/>
+      </a:lnRef>
+      <a:fillRef idx="1">
+        <a:scrgbClr r="0" g="0" b="0"/>
+      </a:fillRef>
+      <a:effectRef idx="0">
+        <a:scrgbClr r="0" g="0" b="0"/>
+      </a:effectRef>
+      <a:fontRef idx="minor">
+        <a:schemeClr val="lt1"/>
+      </a:fontRef>
+    </dgm:style>
+  </dgm:styleLbl>
+  <dgm:styleLbl name="node4">
+    <dgm:scene3d>
+      <a:camera prst="orthographicFront"/>
+      <a:lightRig rig="threePt" dir="t"/>
+    </dgm:scene3d>
+    <dgm:sp3d/>
+    <dgm:txPr/>
+    <dgm:style>
+      <a:lnRef idx="2">
+        <a:scrgbClr r="0" g="0" b="0"/>
+      </a:lnRef>
+      <a:fillRef idx="1">
+        <a:scrgbClr r="0" g="0" b="0"/>
+      </a:fillRef>
+      <a:effectRef idx="0">
+        <a:scrgbClr r="0" g="0" b="0"/>
+      </a:effectRef>
+      <a:fontRef idx="minor">
+        <a:schemeClr val="lt1"/>
+      </a:fontRef>
+    </dgm:style>
+  </dgm:styleLbl>
+  <dgm:styleLbl name="fgImgPlace1">
+    <dgm:scene3d>
+      <a:camera prst="orthographicFront"/>
+      <a:lightRig rig="threePt" dir="t"/>
+    </dgm:scene3d>
+    <dgm:sp3d/>
+    <dgm:txPr/>
+    <dgm:style>
+      <a:lnRef idx="2">
+        <a:scrgbClr r="0" g="0" b="0"/>
+      </a:lnRef>
+      <a:fillRef idx="1">
+        <a:scrgbClr r="0" g="0" b="0"/>
+      </a:fillRef>
+      <a:effectRef idx="0">
+        <a:scrgbClr r="0" g="0" b="0"/>
+      </a:effectRef>
+      <a:fontRef idx="minor"/>
+    </dgm:style>
+  </dgm:styleLbl>
+  <dgm:styleLbl name="alignImgPlace1">
+    <dgm:scene3d>
+      <a:camera prst="orthographicFront"/>
+      <a:lightRig rig="threePt" dir="t"/>
+    </dgm:scene3d>
+    <dgm:sp3d/>
+    <dgm:txPr/>
+    <dgm:style>
+      <a:lnRef idx="2">
+        <a:scrgbClr r="0" g="0" b="0"/>
+      </a:lnRef>
+      <a:fillRef idx="1">
+        <a:scrgbClr r="0" g="0" b="0"/>
+      </a:fillRef>
+      <a:effectRef idx="0">
+        <a:scrgbClr r="0" g="0" b="0"/>
+      </a:effectRef>
+      <a:fontRef idx="minor"/>
+    </dgm:style>
+  </dgm:styleLbl>
+  <dgm:styleLbl name="bgImgPlace1">
+    <dgm:scene3d>
+      <a:camera prst="orthographicFront"/>
+      <a:lightRig rig="threePt" dir="t"/>
+    </dgm:scene3d>
+    <dgm:sp3d/>
+    <dgm:txPr/>
+    <dgm:style>
+      <a:lnRef idx="2">
+        <a:scrgbClr r="0" g="0" b="0"/>
+      </a:lnRef>
+      <a:fillRef idx="1">
+        <a:scrgbClr r="0" g="0" b="0"/>
+      </a:fillRef>
+      <a:effectRef idx="0">
+        <a:scrgbClr r="0" g="0" b="0"/>
+      </a:effectRef>
+      <a:fontRef idx="minor"/>
+    </dgm:style>
+  </dgm:styleLbl>
+  <dgm:styleLbl name="sibTrans2D1">
+    <dgm:scene3d>
+      <a:camera prst="orthographicFront"/>
+      <a:lightRig rig="threePt" dir="t"/>
+    </dgm:scene3d>
+    <dgm:sp3d/>
+    <dgm:txPr/>
+    <dgm:style>
+      <a:lnRef idx="0">
+        <a:scrgbClr r="0" g="0" b="0"/>
+      </a:lnRef>
+      <a:fillRef idx="1">
+        <a:scrgbClr r="0" g="0" b="0"/>
+      </a:fillRef>
+      <a:effectRef idx="0">
+        <a:scrgbClr r="0" g="0" b="0"/>
+      </a:effectRef>
+      <a:fontRef idx="minor">
+        <a:schemeClr val="lt1"/>
+      </a:fontRef>
+    </dgm:style>
+  </dgm:styleLbl>
+  <dgm:styleLbl name="fgSibTrans2D1">
+    <dgm:scene3d>
+      <a:camera prst="orthographicFront"/>
+      <a:lightRig rig="threePt" dir="t"/>
+    </dgm:scene3d>
+    <dgm:sp3d/>
+    <dgm:txPr/>
+    <dgm:style>
+      <a:lnRef idx="0">
+        <a:scrgbClr r="0" g="0" b="0"/>
+      </a:lnRef>
+      <a:fillRef idx="1">
+        <a:scrgbClr r="0" g="0" b="0"/>
+      </a:fillRef>
+      <a:effectRef idx="0">
+        <a:scrgbClr r="0" g="0" b="0"/>
+      </a:effectRef>
+      <a:fontRef idx="minor">
+        <a:schemeClr val="lt1"/>
+      </a:fontRef>
+    </dgm:style>
+  </dgm:styleLbl>
+  <dgm:styleLbl name="bgSibTrans2D1">
+    <dgm:scene3d>
+      <a:camera prst="orthographicFront"/>
+      <a:lightRig rig="threePt" dir="t"/>
+    </dgm:scene3d>
+    <dgm:sp3d/>
+    <dgm:txPr/>
+    <dgm:style>
+      <a:lnRef idx="0">
+        <a:scrgbClr r="0" g="0" b="0"/>
+      </a:lnRef>
+      <a:fillRef idx="1">
+        <a:scrgbClr r="0" g="0" b="0"/>
+      </a:fillRef>
+      <a:effectRef idx="0">
+        <a:scrgbClr r="0" g="0" b="0"/>
+      </a:effectRef>
+      <a:fontRef idx="minor">
+        <a:schemeClr val="lt1"/>
+      </a:fontRef>
+    </dgm:style>
+  </dgm:styleLbl>
+  <dgm:styleLbl name="sibTrans1D1">
+    <dgm:scene3d>
+      <a:camera prst="orthographicFront"/>
+      <a:lightRig rig="threePt" dir="t"/>
+    </dgm:scene3d>
+    <dgm:sp3d/>
+    <dgm:txPr/>
+    <dgm:style>
+      <a:lnRef idx="1">
+        <a:scrgbClr r="0" g="0" b="0"/>
+      </a:lnRef>
+      <a:fillRef idx="0">
+        <a:scrgbClr r="0" g="0" b="0"/>
+      </a:fillRef>
+      <a:effectRef idx="0">
+        <a:scrgbClr r="0" g="0" b="0"/>
+      </a:effectRef>
+      <a:fontRef idx="minor"/>
+    </dgm:style>
+  </dgm:styleLbl>
+  <dgm:styleLbl name="callout">
+    <dgm:scene3d>
+      <a:camera prst="orthographicFront"/>
+      <a:lightRig rig="threePt" dir="t"/>
+    </dgm:scene3d>
+    <dgm:sp3d/>
+    <dgm:txPr/>
+    <dgm:style>
+      <a:lnRef idx="2">
+        <a:scrgbClr r="0" g="0" b="0"/>
+      </a:lnRef>
+      <a:fillRef idx="1">
+        <a:scrgbClr r="0" g="0" b="0"/>
+      </a:fillRef>
+      <a:effectRef idx="0">
+        <a:scrgbClr r="0" g="0" b="0"/>
+      </a:effectRef>
+      <a:fontRef idx="minor"/>
+    </dgm:style>
+  </dgm:styleLbl>
+  <dgm:styleLbl name="asst0">
+    <dgm:scene3d>
+      <a:camera prst="orthographicFront"/>
+      <a:lightRig rig="threePt" dir="t"/>
+    </dgm:scene3d>
+    <dgm:sp3d/>
+    <dgm:txPr/>
+    <dgm:style>
+      <a:lnRef idx="2">
+        <a:scrgbClr r="0" g="0" b="0"/>
+      </a:lnRef>
+      <a:fillRef idx="1">
+        <a:scrgbClr r="0" g="0" b="0"/>
+      </a:fillRef>
+      <a:effectRef idx="0">
+        <a:scrgbClr r="0" g="0" b="0"/>
+      </a:effectRef>
+      <a:fontRef idx="minor">
+        <a:schemeClr val="lt1"/>
+      </a:fontRef>
+    </dgm:style>
+  </dgm:styleLbl>
+  <dgm:styleLbl name="asst1">
+    <dgm:scene3d>
+      <a:camera prst="orthographicFront"/>
+      <a:lightRig rig="threePt" dir="t"/>
+    </dgm:scene3d>
+    <dgm:sp3d/>
+    <dgm:txPr/>
+    <dgm:style>
+      <a:lnRef idx="2">
+        <a:scrgbClr r="0" g="0" b="0"/>
+      </a:lnRef>
+      <a:fillRef idx="1">
+        <a:scrgbClr r="0" g="0" b="0"/>
+      </a:fillRef>
+      <a:effectRef idx="0">
+        <a:scrgbClr r="0" g="0" b="0"/>
+      </a:effectRef>
+      <a:fontRef idx="minor">
+        <a:schemeClr val="lt1"/>
+      </a:fontRef>
+    </dgm:style>
+  </dgm:styleLbl>
+  <dgm:styleLbl name="asst2">
+    <dgm:scene3d>
+      <a:camera prst="orthographicFront"/>
+      <a:lightRig rig="threePt" dir="t"/>
+    </dgm:scene3d>
+    <dgm:sp3d/>
+    <dgm:txPr/>
+    <dgm:style>
+      <a:lnRef idx="2">
+        <a:scrgbClr r="0" g="0" b="0"/>
+      </a:lnRef>
+      <a:fillRef idx="1">
+        <a:scrgbClr r="0" g="0" b="0"/>
+      </a:fillRef>
+      <a:effectRef idx="0">
+        <a:scrgbClr r="0" g="0" b="0"/>
+      </a:effectRef>
+      <a:fontRef idx="minor">
+        <a:schemeClr val="lt1"/>
+      </a:fontRef>
+    </dgm:style>
+  </dgm:styleLbl>
+  <dgm:styleLbl name="asst3">
+    <dgm:scene3d>
+      <a:camera prst="orthographicFront"/>
+      <a:lightRig rig="threePt" dir="t"/>
+    </dgm:scene3d>
+    <dgm:sp3d/>
+    <dgm:txPr/>
+    <dgm:style>
+      <a:lnRef idx="2">
+        <a:scrgbClr r="0" g="0" b="0"/>
+      </a:lnRef>
+      <a:fillRef idx="1">
+        <a:scrgbClr r="0" g="0" b="0"/>
+      </a:fillRef>
+      <a:effectRef idx="0">
+        <a:scrgbClr r="0" g="0" b="0"/>
+      </a:effectRef>
+      <a:fontRef idx="minor">
+        <a:schemeClr val="lt1"/>
+      </a:fontRef>
+    </dgm:style>
+  </dgm:styleLbl>
+  <dgm:styleLbl name="asst4">
+    <dgm:scene3d>
+      <a:camera prst="orthographicFront"/>
+      <a:lightRig rig="threePt" dir="t"/>
+    </dgm:scene3d>
+    <dgm:sp3d/>
+    <dgm:txPr/>
+    <dgm:style>
+      <a:lnRef idx="2">
+        <a:scrgbClr r="0" g="0" b="0"/>
+      </a:lnRef>
+      <a:fillRef idx="1">
+        <a:scrgbClr r="0" g="0" b="0"/>
+      </a:fillRef>
+      <a:effectRef idx="0">
+        <a:scrgbClr r="0" g="0" b="0"/>
+      </a:effectRef>
+      <a:fontRef idx="minor">
+        <a:schemeClr val="lt1"/>
+      </a:fontRef>
+    </dgm:style>
+  </dgm:styleLbl>
+  <dgm:styleLbl name="parChTrans2D1">
+    <dgm:scene3d>
+      <a:camera prst="orthographicFront"/>
+      <a:lightRig rig="threePt" dir="t"/>
+    </dgm:scene3d>
+    <dgm:sp3d/>
+    <dgm:txPr/>
+    <dgm:style>
+      <a:lnRef idx="2">
+        <a:scrgbClr r="0" g="0" b="0"/>
+      </a:lnRef>
+      <a:fillRef idx="1">
+        <a:scrgbClr r="0" g="0" b="0"/>
+      </a:fillRef>
+      <a:effectRef idx="0">
+        <a:scrgbClr r="0" g="0" b="0"/>
+      </a:effectRef>
+      <a:fontRef idx="minor">
+        <a:schemeClr val="lt1"/>
+      </a:fontRef>
+    </dgm:style>
+  </dgm:styleLbl>
+  <dgm:styleLbl name="parChTrans2D2">
+    <dgm:scene3d>
+      <a:camera prst="orthographicFront"/>
+      <a:lightRig rig="threePt" dir="t"/>
+    </dgm:scene3d>
+    <dgm:sp3d/>
+    <dgm:txPr/>
+    <dgm:style>
+      <a:lnRef idx="2">
+        <a:scrgbClr r="0" g="0" b="0"/>
+      </a:lnRef>
+      <a:fillRef idx="1">
+        <a:scrgbClr r="0" g="0" b="0"/>
+      </a:fillRef>
+      <a:effectRef idx="0">
+        <a:scrgbClr r="0" g="0" b="0"/>
+      </a:effectRef>
+      <a:fontRef idx="minor">
+        <a:schemeClr val="lt1"/>
+      </a:fontRef>
+    </dgm:style>
+  </dgm:styleLbl>
+  <dgm:styleLbl name="parChTrans2D3">
+    <dgm:scene3d>
+      <a:camera prst="orthographicFront"/>
+      <a:lightRig rig="threePt" dir="t"/>
+    </dgm:scene3d>
+    <dgm:sp3d/>
+    <dgm:txPr/>
+    <dgm:style>
+      <a:lnRef idx="2">
+        <a:scrgbClr r="0" g="0" b="0"/>
+      </a:lnRef>
+      <a:fillRef idx="1">
+        <a:scrgbClr r="0" g="0" b="0"/>
+      </a:fillRef>
+      <a:effectRef idx="0">
+        <a:scrgbClr r="0" g="0" b="0"/>
+      </a:effectRef>
+      <a:fontRef idx="minor">
+        <a:schemeClr val="lt1"/>
+      </a:fontRef>
+    </dgm:style>
+  </dgm:styleLbl>
+  <dgm:styleLbl name="parChTrans2D4">
+    <dgm:scene3d>
+      <a:camera prst="orthographicFront"/>
+      <a:lightRig rig="threePt" dir="t"/>
+    </dgm:scene3d>
+    <dgm:sp3d/>
+    <dgm:txPr/>
+    <dgm:style>
+      <a:lnRef idx="2">
+        <a:scrgbClr r="0" g="0" b="0"/>
+      </a:lnRef>
+      <a:fillRef idx="1">
+        <a:scrgbClr r="0" g="0" b="0"/>
+      </a:fillRef>
+      <a:effectRef idx="0">
+        <a:scrgbClr r="0" g="0" b="0"/>
+      </a:effectRef>
+      <a:fontRef idx="minor">
+        <a:schemeClr val="lt1"/>
+      </a:fontRef>
+    </dgm:style>
+  </dgm:styleLbl>
+  <dgm:styleLbl name="parChTrans1D1">
+    <dgm:scene3d>
+      <a:camera prst="orthographicFront"/>
+      <a:lightRig rig="threePt" dir="t"/>
+    </dgm:scene3d>
+    <dgm:sp3d/>
+    <dgm:txPr/>
+    <dgm:style>
+      <a:lnRef idx="2">
+        <a:scrgbClr r="0" g="0" b="0"/>
+      </a:lnRef>
+      <a:fillRef idx="0">
+        <a:scrgbClr r="0" g="0" b="0"/>
+      </a:fillRef>
+      <a:effectRef idx="0">
+        <a:scrgbClr r="0" g="0" b="0"/>
+      </a:effectRef>
+      <a:fontRef idx="minor"/>
+    </dgm:style>
+  </dgm:styleLbl>
+  <dgm:styleLbl name="parChTrans1D2">
+    <dgm:scene3d>
+      <a:camera prst="orthographicFront"/>
+      <a:lightRig rig="threePt" dir="t"/>
+    </dgm:scene3d>
+    <dgm:sp3d/>
+    <dgm:txPr/>
+    <dgm:style>
+      <a:lnRef idx="2">
+        <a:scrgbClr r="0" g="0" b="0"/>
+      </a:lnRef>
+      <a:fillRef idx="0">
+        <a:scrgbClr r="0" g="0" b="0"/>
+      </a:fillRef>
+      <a:effectRef idx="0">
+        <a:scrgbClr r="0" g="0" b="0"/>
+      </a:effectRef>
+      <a:fontRef idx="minor"/>
+    </dgm:style>
+  </dgm:styleLbl>
+  <dgm:styleLbl name="parChTrans1D3">
+    <dgm:scene3d>
+      <a:camera prst="orthographicFront"/>
+      <a:lightRig rig="threePt" dir="t"/>
+    </dgm:scene3d>
+    <dgm:sp3d/>
+    <dgm:txPr/>
+    <dgm:style>
+      <a:lnRef idx="2">
+        <a:scrgbClr r="0" g="0" b="0"/>
+      </a:lnRef>
+      <a:fillRef idx="0">
+        <a:scrgbClr r="0" g="0" b="0"/>
+      </a:fillRef>
+      <a:effectRef idx="0">
+        <a:scrgbClr r="0" g="0" b="0"/>
+      </a:effectRef>
+      <a:fontRef idx="minor"/>
+    </dgm:style>
+  </dgm:styleLbl>
+  <dgm:styleLbl name="parChTrans1D4">
+    <dgm:scene3d>
+      <a:camera prst="orthographicFront"/>
+      <a:lightRig rig="threePt" dir="t"/>
+    </dgm:scene3d>
+    <dgm:sp3d/>
+    <dgm:txPr/>
+    <dgm:style>
+      <a:lnRef idx="2">
+        <a:scrgbClr r="0" g="0" b="0"/>
+      </a:lnRef>
+      <a:fillRef idx="0">
+        <a:scrgbClr r="0" g="0" b="0"/>
+      </a:fillRef>
+      <a:effectRef idx="0">
+        <a:scrgbClr r="0" g="0" b="0"/>
+      </a:effectRef>
+      <a:fontRef idx="minor"/>
+    </dgm:style>
+  </dgm:styleLbl>
+  <dgm:styleLbl name="fgAcc1">
+    <dgm:scene3d>
+      <a:camera prst="orthographicFront"/>
+      <a:lightRig rig="threePt" dir="t"/>
+    </dgm:scene3d>
+    <dgm:sp3d/>
+    <dgm:txPr/>
+    <dgm:style>
+      <a:lnRef idx="2">
+        <a:scrgbClr r="0" g="0" b="0"/>
+      </a:lnRef>
+      <a:fillRef idx="1">
+        <a:scrgbClr r="0" g="0" b="0"/>
+      </a:fillRef>
+      <a:effectRef idx="0">
+        <a:scrgbClr r="0" g="0" b="0"/>
+      </a:effectRef>
+      <a:fontRef idx="minor"/>
+    </dgm:style>
+  </dgm:styleLbl>
+  <dgm:styleLbl name="conFgAcc1">
+    <dgm:scene3d>
+      <a:camera prst="orthographicFront"/>
+      <a:lightRig rig="threePt" dir="t"/>
+    </dgm:scene3d>
+    <dgm:sp3d/>
+    <dgm:txPr/>
+    <dgm:style>
+      <a:lnRef idx="2">
+        <a:scrgbClr r="0" g="0" b="0"/>
+      </a:lnRef>
+      <a:fillRef idx="1">
+        <a:scrgbClr r="0" g="0" b="0"/>
+      </a:fillRef>
+      <a:effectRef idx="0">
+        <a:scrgbClr r="0" g="0" b="0"/>
+      </a:effectRef>
+      <a:fontRef idx="minor"/>
+    </dgm:style>
+  </dgm:styleLbl>
+  <dgm:styleLbl name="alignAcc1">
+    <dgm:scene3d>
+      <a:camera prst="orthographicFront"/>
+      <a:lightRig rig="threePt" dir="t"/>
+    </dgm:scene3d>
+    <dgm:sp3d/>
+    <dgm:txPr/>
+    <dgm:style>
+      <a:lnRef idx="2">
+        <a:scrgbClr r="0" g="0" b="0"/>
+      </a:lnRef>
+      <a:fillRef idx="1">
+        <a:scrgbClr r="0" g="0" b="0"/>
+      </a:fillRef>
+      <a:effectRef idx="0">
+        <a:scrgbClr r="0" g="0" b="0"/>
+      </a:effectRef>
+      <a:fontRef idx="minor"/>
+    </dgm:style>
+  </dgm:styleLbl>
+  <dgm:styleLbl name="trAlignAcc1">
+    <dgm:scene3d>
+      <a:camera prst="orthographicFront"/>
+      <a:lightRig rig="threePt" dir="t"/>
+    </dgm:scene3d>
+    <dgm:sp3d/>
+    <dgm:txPr/>
+    <dgm:style>
+      <a:lnRef idx="1">
+        <a:scrgbClr r="0" g="0" b="0"/>
+      </a:lnRef>
+      <a:fillRef idx="1">
+        <a:scrgbClr r="0" g="0" b="0"/>
+      </a:fillRef>
+      <a:effectRef idx="0">
+        <a:scrgbClr r="0" g="0" b="0"/>
+      </a:effectRef>
+      <a:fontRef idx="minor"/>
+    </dgm:style>
+  </dgm:styleLbl>
+  <dgm:styleLbl name="bgAcc1">
+    <dgm:scene3d>
+      <a:camera prst="orthographicFront"/>
+      <a:lightRig rig="threePt" dir="t"/>
+    </dgm:scene3d>
+    <dgm:sp3d/>
+    <dgm:txPr/>
+    <dgm:style>
+      <a:lnRef idx="2">
+        <a:scrgbClr r="0" g="0" b="0"/>
+      </a:lnRef>
+      <a:fillRef idx="1">
+        <a:scrgbClr r="0" g="0" b="0"/>
+      </a:fillRef>
+      <a:effectRef idx="0">
+        <a:scrgbClr r="0" g="0" b="0"/>
+      </a:effectRef>
+      <a:fontRef idx="minor"/>
+    </dgm:style>
+  </dgm:styleLbl>
+  <dgm:styleLbl name="solidFgAcc1">
+    <dgm:scene3d>
+      <a:camera prst="orthographicFront"/>
+      <a:lightRig rig="threePt" dir="t"/>
+    </dgm:scene3d>
+    <dgm:sp3d/>
+    <dgm:txPr/>
+    <dgm:style>
+      <a:lnRef idx="2">
+        <a:scrgbClr r="0" g="0" b="0"/>
+      </a:lnRef>
+      <a:fillRef idx="1">
+        <a:scrgbClr r="0" g="0" b="0"/>
+      </a:fillRef>
+      <a:effectRef idx="0">
+        <a:scrgbClr r="0" g="0" b="0"/>
+      </a:effectRef>
+      <a:fontRef idx="minor"/>
+    </dgm:style>
+  </dgm:styleLbl>
+  <dgm:styleLbl name="solidAlignAcc1">
+    <dgm:scene3d>
+      <a:camera prst="orthographicFront"/>
+      <a:lightRig rig="threePt" dir="t"/>
+    </dgm:scene3d>
+    <dgm:sp3d/>
+    <dgm:txPr/>
+    <dgm:style>
+      <a:lnRef idx="2">
+        <a:scrgbClr r="0" g="0" b="0"/>
+      </a:lnRef>
+      <a:fillRef idx="1">
+        <a:scrgbClr r="0" g="0" b="0"/>
+      </a:fillRef>
+      <a:effectRef idx="0">
+        <a:scrgbClr r="0" g="0" b="0"/>
+      </a:effectRef>
+      <a:fontRef idx="minor"/>
+    </dgm:style>
+  </dgm:styleLbl>
+  <dgm:styleLbl name="solidBgAcc1">
+    <dgm:scene3d>
+      <a:camera prst="orthographicFront"/>
+      <a:lightRig rig="threePt" dir="t"/>
+    </dgm:scene3d>
+    <dgm:sp3d/>
+    <dgm:txPr/>
+    <dgm:style>
+      <a:lnRef idx="2">
+        <a:scrgbClr r="0" g="0" b="0"/>
+      </a:lnRef>
+      <a:fillRef idx="1">
+        <a:scrgbClr r="0" g="0" b="0"/>
+      </a:fillRef>
+      <a:effectRef idx="0">
+        <a:scrgbClr r="0" g="0" b="0"/>
+      </a:effectRef>
+      <a:fontRef idx="minor"/>
+    </dgm:style>
+  </dgm:styleLbl>
+  <dgm:styleLbl name="fgAccFollowNode1">
+    <dgm:scene3d>
+      <a:camera prst="orthographicFront"/>
+      <a:lightRig rig="threePt" dir="t"/>
+    </dgm:scene3d>
+    <dgm:sp3d/>
+    <dgm:txPr/>
+    <dgm:style>
+      <a:lnRef idx="2">
+        <a:scrgbClr r="0" g="0" b="0"/>
+      </a:lnRef>
+      <a:fillRef idx="1">
+        <a:scrgbClr r="0" g="0" b="0"/>
+      </a:fillRef>
+      <a:effectRef idx="0">
+        <a:scrgbClr r="0" g="0" b="0"/>
+      </a:effectRef>
+      <a:fontRef idx="minor"/>
+    </dgm:style>
+  </dgm:styleLbl>
+  <dgm:styleLbl name="alignAccFollowNode1">
+    <dgm:scene3d>
+      <a:camera prst="orthographicFront"/>
+      <a:lightRig rig="threePt" dir="t"/>
+    </dgm:scene3d>
+    <dgm:sp3d/>
+    <dgm:txPr/>
+    <dgm:style>
+      <a:lnRef idx="2">
+        <a:scrgbClr r="0" g="0" b="0"/>
+      </a:lnRef>
+      <a:fillRef idx="1">
+        <a:scrgbClr r="0" g="0" b="0"/>
+      </a:fillRef>
+      <a:effectRef idx="0">
+        <a:scrgbClr r="0" g="0" b="0"/>
+      </a:effectRef>
+      <a:fontRef idx="minor"/>
+    </dgm:style>
+  </dgm:styleLbl>
+  <dgm:styleLbl name="bgAccFollowNode1">
+    <dgm:scene3d>
+      <a:camera prst="orthographicFront"/>
+      <a:lightRig rig="threePt" dir="t"/>
+    </dgm:scene3d>
+    <dgm:sp3d/>
+    <dgm:txPr/>
+    <dgm:style>
+      <a:lnRef idx="2">
+        <a:scrgbClr r="0" g="0" b="0"/>
+      </a:lnRef>
+      <a:fillRef idx="1">
+        <a:scrgbClr r="0" g="0" b="0"/>
+      </a:fillRef>
+      <a:effectRef idx="0">
+        <a:scrgbClr r="0" g="0" b="0"/>
+      </a:effectRef>
+      <a:fontRef idx="minor"/>
+    </dgm:style>
+  </dgm:styleLbl>
+  <dgm:styleLbl name="fgAcc0">
+    <dgm:scene3d>
+      <a:camera prst="orthographicFront"/>
+      <a:lightRig rig="threePt" dir="t"/>
+    </dgm:scene3d>
+    <dgm:sp3d/>
+    <dgm:txPr/>
+    <dgm:style>
+      <a:lnRef idx="2">
+        <a:scrgbClr r="0" g="0" b="0"/>
+      </a:lnRef>
+      <a:fillRef idx="1">
+        <a:scrgbClr r="0" g="0" b="0"/>
+      </a:fillRef>
+      <a:effectRef idx="0">
+        <a:scrgbClr r="0" g="0" b="0"/>
+      </a:effectRef>
+      <a:fontRef idx="minor"/>
+    </dgm:style>
+  </dgm:styleLbl>
+  <dgm:styleLbl name="fgAcc2">
+    <dgm:scene3d>
+      <a:camera prst="orthographicFront"/>
+      <a:lightRig rig="threePt" dir="t"/>
+    </dgm:scene3d>
+    <dgm:sp3d/>
+    <dgm:txPr/>
+    <dgm:style>
+      <a:lnRef idx="2">
+        <a:scrgbClr r="0" g="0" b="0"/>
+      </a:lnRef>
+      <a:fillRef idx="1">
+        <a:scrgbClr r="0" g="0" b="0"/>
+      </a:fillRef>
+      <a:effectRef idx="0">
+        <a:scrgbClr r="0" g="0" b="0"/>
+      </a:effectRef>
+      <a:fontRef idx="minor"/>
+    </dgm:style>
+  </dgm:styleLbl>
+  <dgm:styleLbl name="fgAcc3">
+    <dgm:scene3d>
+      <a:camera prst="orthographicFront"/>
+      <a:lightRig rig="threePt" dir="t"/>
+    </dgm:scene3d>
+    <dgm:sp3d/>
+    <dgm:txPr/>
+    <dgm:style>
+      <a:lnRef idx="2">
+        <a:scrgbClr r="0" g="0" b="0"/>
+      </a:lnRef>
+      <a:fillRef idx="1">
+        <a:scrgbClr r="0" g="0" b="0"/>
+      </a:fillRef>
+      <a:effectRef idx="0">
+        <a:scrgbClr r="0" g="0" b="0"/>
+      </a:effectRef>
+      <a:fontRef idx="minor"/>
+    </dgm:style>
+  </dgm:styleLbl>
+  <dgm:styleLbl name="fgAcc4">
+    <dgm:scene3d>
+      <a:camera prst="orthographicFront"/>
+      <a:lightRig rig="threePt" dir="t"/>
+    </dgm:scene3d>
+    <dgm:sp3d/>
+    <dgm:txPr/>
+    <dgm:style>
+      <a:lnRef idx="2">
+        <a:scrgbClr r="0" g="0" b="0"/>
+      </a:lnRef>
+      <a:fillRef idx="1">
+        <a:scrgbClr r="0" g="0" b="0"/>
+      </a:fillRef>
+      <a:effectRef idx="0">
+        <a:scrgbClr r="0" g="0" b="0"/>
+      </a:effectRef>
+      <a:fontRef idx="minor"/>
+    </dgm:style>
+  </dgm:styleLbl>
+  <dgm:styleLbl name="bgShp">
+    <dgm:scene3d>
+      <a:camera prst="orthographicFront"/>
+      <a:lightRig rig="threePt" dir="t"/>
+    </dgm:scene3d>
+    <dgm:sp3d/>
+    <dgm:txPr/>
+    <dgm:style>
+      <a:lnRef idx="0">
+        <a:scrgbClr r="0" g="0" b="0"/>
+      </a:lnRef>
+      <a:fillRef idx="1">
+        <a:scrgbClr r="0" g="0" b="0"/>
+      </a:fillRef>
+      <a:effectRef idx="0">
+        <a:scrgbClr r="0" g="0" b="0"/>
+      </a:effectRef>
+      <a:fontRef idx="minor"/>
+    </dgm:style>
+  </dgm:styleLbl>
+  <dgm:styleLbl name="dkBgShp">
+    <dgm:scene3d>
+      <a:camera prst="orthographicFront"/>
+      <a:lightRig rig="threePt" dir="t"/>
+    </dgm:scene3d>
+    <dgm:sp3d/>
+    <dgm:txPr/>
+    <dgm:style>
+      <a:lnRef idx="0">
+        <a:scrgbClr r="0" g="0" b="0"/>
+      </a:lnRef>
+      <a:fillRef idx="1">
+        <a:scrgbClr r="0" g="0" b="0"/>
+      </a:fillRef>
+      <a:effectRef idx="0">
+        <a:scrgbClr r="0" g="0" b="0"/>
+      </a:effectRef>
+      <a:fontRef idx="minor"/>
+    </dgm:style>
+  </dgm:styleLbl>
+  <dgm:styleLbl name="trBgShp">
+    <dgm:scene3d>
+      <a:camera prst="orthographicFront"/>
+      <a:lightRig rig="threePt" dir="t"/>
+    </dgm:scene3d>
+    <dgm:sp3d/>
+    <dgm:txPr/>
+    <dgm:style>
+      <a:lnRef idx="0">
+        <a:scrgbClr r="0" g="0" b="0"/>
+      </a:lnRef>
+      <a:fillRef idx="1">
+        <a:scrgbClr r="0" g="0" b="0"/>
+      </a:fillRef>
+      <a:effectRef idx="0">
+        <a:scrgbClr r="0" g="0" b="0"/>
+      </a:effectRef>
+      <a:fontRef idx="minor"/>
+    </dgm:style>
+  </dgm:styleLbl>
+  <dgm:styleLbl name="fgShp">
+    <dgm:scene3d>
+      <a:camera prst="orthographicFront"/>
+      <a:lightRig rig="threePt" dir="t"/>
+    </dgm:scene3d>
+    <dgm:sp3d/>
+    <dgm:txPr/>
+    <dgm:style>
+      <a:lnRef idx="2">
+        <a:scrgbClr r="0" g="0" b="0"/>
+      </a:lnRef>
+      <a:fillRef idx="1">
+        <a:scrgbClr r="0" g="0" b="0"/>
+      </a:fillRef>
+      <a:effectRef idx="0">
+        <a:scrgbClr r="0" g="0" b="0"/>
+      </a:effectRef>
+      <a:fontRef idx="minor"/>
+    </dgm:style>
+  </dgm:styleLbl>
+  <dgm:styleLbl name="revTx">
+    <dgm:scene3d>
+      <a:camera prst="orthographicFront"/>
+      <a:lightRig rig="threePt" dir="t"/>
+    </dgm:scene3d>
+    <dgm:sp3d/>
+    <dgm:txPr/>
+    <dgm:style>
+      <a:lnRef idx="0">
+        <a:scrgbClr r="0" g="0" b="0"/>
+      </a:lnRef>
+      <a:fillRef idx="0">
+        <a:scrgbClr r="0" g="0" b="0"/>
+      </a:fillRef>
+      <a:effectRef idx="0">
+        <a:scrgbClr r="0" g="0" b="0"/>
+      </a:effectRef>
+      <a:fontRef idx="minor"/>
+    </dgm:style>
+  </dgm:styleLbl>
+</dgm:styleDef>
 </file>
 
 <file path=ppt/notesMasters/notesMaster1.xml><?xml version="1.0" encoding="utf-8"?>
@@ -1480,7 +4001,7 @@
           <a:p>
             <a:fld id="{5FB7981C-FA40-F348-8BD1-6FCF5195A4F2}" type="slidenum">
               <a:rPr kumimoji="1" lang="ja-JP" altLang="en-US" smtClean="0"/>
-              <a:t>3</a:t>
+              <a:t>6</a:t>
             </a:fld>
             <a:endParaRPr kumimoji="1" lang="ja-JP" altLang="en-US"/>
           </a:p>
@@ -1564,7 +4085,7 @@
           <a:p>
             <a:fld id="{5FB7981C-FA40-F348-8BD1-6FCF5195A4F2}" type="slidenum">
               <a:rPr kumimoji="1" lang="ja-JP" altLang="en-US" smtClean="0"/>
-              <a:t>4</a:t>
+              <a:t>7</a:t>
             </a:fld>
             <a:endParaRPr kumimoji="1" lang="ja-JP" altLang="en-US"/>
           </a:p>
@@ -1648,7 +4169,7 @@
           <a:p>
             <a:fld id="{5FB7981C-FA40-F348-8BD1-6FCF5195A4F2}" type="slidenum">
               <a:rPr kumimoji="1" lang="ja-JP" altLang="en-US" smtClean="0"/>
-              <a:t>5</a:t>
+              <a:t>8</a:t>
             </a:fld>
             <a:endParaRPr kumimoji="1" lang="ja-JP" altLang="en-US"/>
           </a:p>
@@ -5404,6 +7925,359 @@
           <a:chExt cx="0" cy="0"/>
         </a:xfrm>
       </p:grpSpPr>
+      <p:graphicFrame>
+        <p:nvGraphicFramePr>
+          <p:cNvPr id="5" name="コンテンツ プレースホルダー 4">
+            <a:extLst>
+              <a:ext uri="{FF2B5EF4-FFF2-40B4-BE49-F238E27FC236}">
+                <a16:creationId xmlns:a16="http://schemas.microsoft.com/office/drawing/2014/main" id="{A01F95E1-6CB3-4407-AFC2-078B83E1D249}"/>
+              </a:ext>
+            </a:extLst>
+          </p:cNvPr>
+          <p:cNvGraphicFramePr>
+            <a:graphicFrameLocks noGrp="1"/>
+          </p:cNvGraphicFramePr>
+          <p:nvPr>
+            <p:ph idx="1"/>
+            <p:extLst>
+              <p:ext uri="{D42A27DB-BD31-4B8C-83A1-F6EECF244321}">
+                <p14:modId xmlns:p14="http://schemas.microsoft.com/office/powerpoint/2010/main" val="3707126632"/>
+              </p:ext>
+            </p:extLst>
+          </p:nvPr>
+        </p:nvGraphicFramePr>
+        <p:xfrm>
+          <a:off x="488950" y="1271588"/>
+          <a:ext cx="11214100" cy="4905375"/>
+        </p:xfrm>
+        <a:graphic>
+          <a:graphicData uri="http://schemas.openxmlformats.org/drawingml/2006/diagram">
+            <dgm:relIds xmlns:dgm="http://schemas.openxmlformats.org/drawingml/2006/diagram" xmlns:r="http://schemas.openxmlformats.org/officeDocument/2006/relationships" r:dm="rId2" r:lo="rId3" r:qs="rId4" r:cs="rId5"/>
+          </a:graphicData>
+        </a:graphic>
+      </p:graphicFrame>
+      <p:sp>
+        <p:nvSpPr>
+          <p:cNvPr id="3" name="タイトル 2">
+            <a:extLst>
+              <a:ext uri="{FF2B5EF4-FFF2-40B4-BE49-F238E27FC236}">
+                <a16:creationId xmlns:a16="http://schemas.microsoft.com/office/drawing/2014/main" id="{2CF19479-C81A-4309-BF59-FEFD2663BA7F}"/>
+              </a:ext>
+            </a:extLst>
+          </p:cNvPr>
+          <p:cNvSpPr>
+            <a:spLocks noGrp="1"/>
+          </p:cNvSpPr>
+          <p:nvPr>
+            <p:ph type="title"/>
+          </p:nvPr>
+        </p:nvSpPr>
+        <p:spPr/>
+        <p:txBody>
+          <a:bodyPr/>
+          <a:lstStyle/>
+          <a:p>
+            <a:r>
+              <a:rPr kumimoji="1" lang="ja-JP" altLang="en-US" dirty="0"/>
+              <a:t>ビジネスフロー </a:t>
+            </a:r>
+            <a:r>
+              <a:rPr kumimoji="1" lang="en-US" altLang="ja-JP" dirty="0"/>
+              <a:t>※</a:t>
+            </a:r>
+            <a:r>
+              <a:rPr kumimoji="1" lang="ja-JP" altLang="en-US" dirty="0"/>
+              <a:t>地熱開発も概ね同様</a:t>
+            </a:r>
+          </a:p>
+        </p:txBody>
+      </p:sp>
+      <p:sp>
+        <p:nvSpPr>
+          <p:cNvPr id="4" name="コンテンツ プレースホルダー 3">
+            <a:extLst>
+              <a:ext uri="{FF2B5EF4-FFF2-40B4-BE49-F238E27FC236}">
+                <a16:creationId xmlns:a16="http://schemas.microsoft.com/office/drawing/2014/main" id="{56DEF7D4-6F14-4585-826E-B3F972DC0F9A}"/>
+              </a:ext>
+            </a:extLst>
+          </p:cNvPr>
+          <p:cNvSpPr>
+            <a:spLocks noGrp="1"/>
+          </p:cNvSpPr>
+          <p:nvPr>
+            <p:ph sz="quarter" idx="10"/>
+          </p:nvPr>
+        </p:nvSpPr>
+        <p:spPr/>
+        <p:txBody>
+          <a:bodyPr/>
+          <a:lstStyle/>
+          <a:p>
+            <a:r>
+              <a:rPr kumimoji="1" lang="en-US" altLang="ja-JP" dirty="0"/>
+              <a:t>1. </a:t>
+            </a:r>
+            <a:r>
+              <a:rPr kumimoji="1" lang="ja-JP" altLang="en-US" dirty="0"/>
+              <a:t>石油開発の流れ</a:t>
+            </a:r>
+          </a:p>
+        </p:txBody>
+      </p:sp>
+    </p:spTree>
+    <p:extLst>
+      <p:ext uri="{BB962C8B-B14F-4D97-AF65-F5344CB8AC3E}">
+        <p14:creationId xmlns:p14="http://schemas.microsoft.com/office/powerpoint/2010/main" val="3717751916"/>
+      </p:ext>
+    </p:extLst>
+  </p:cSld>
+  <p:clrMapOvr>
+    <a:masterClrMapping/>
+  </p:clrMapOvr>
+</p:sld>
+</file>
+
+<file path=ppt/slides/slide5.xml><?xml version="1.0" encoding="utf-8"?>
+<p:sld xmlns:a="http://schemas.openxmlformats.org/drawingml/2006/main" xmlns:r="http://schemas.openxmlformats.org/officeDocument/2006/relationships" xmlns:p="http://schemas.openxmlformats.org/presentationml/2006/main">
+  <p:cSld>
+    <p:spTree>
+      <p:nvGrpSpPr>
+        <p:cNvPr id="1" name=""/>
+        <p:cNvGrpSpPr/>
+        <p:nvPr/>
+      </p:nvGrpSpPr>
+      <p:grpSpPr>
+        <a:xfrm>
+          <a:off x="0" y="0"/>
+          <a:ext cx="0" cy="0"/>
+          <a:chOff x="0" y="0"/>
+          <a:chExt cx="0" cy="0"/>
+        </a:xfrm>
+      </p:grpSpPr>
+      <p:sp>
+        <p:nvSpPr>
+          <p:cNvPr id="2" name="コンテンツ プレースホルダー 1">
+            <a:extLst>
+              <a:ext uri="{FF2B5EF4-FFF2-40B4-BE49-F238E27FC236}">
+                <a16:creationId xmlns:a16="http://schemas.microsoft.com/office/drawing/2014/main" id="{E8423DD3-3E4B-4E97-AD36-B066768BD4AC}"/>
+              </a:ext>
+            </a:extLst>
+          </p:cNvPr>
+          <p:cNvSpPr>
+            <a:spLocks noGrp="1"/>
+          </p:cNvSpPr>
+          <p:nvPr>
+            <p:ph idx="1"/>
+          </p:nvPr>
+        </p:nvSpPr>
+        <p:spPr/>
+        <p:txBody>
+          <a:bodyPr/>
+          <a:lstStyle/>
+          <a:p>
+            <a:endParaRPr kumimoji="1" lang="ja-JP" altLang="en-US"/>
+          </a:p>
+        </p:txBody>
+      </p:sp>
+      <p:sp>
+        <p:nvSpPr>
+          <p:cNvPr id="3" name="タイトル 2">
+            <a:extLst>
+              <a:ext uri="{FF2B5EF4-FFF2-40B4-BE49-F238E27FC236}">
+                <a16:creationId xmlns:a16="http://schemas.microsoft.com/office/drawing/2014/main" id="{2CF19479-C81A-4309-BF59-FEFD2663BA7F}"/>
+              </a:ext>
+            </a:extLst>
+          </p:cNvPr>
+          <p:cNvSpPr>
+            <a:spLocks noGrp="1"/>
+          </p:cNvSpPr>
+          <p:nvPr>
+            <p:ph type="title"/>
+          </p:nvPr>
+        </p:nvSpPr>
+        <p:spPr/>
+        <p:txBody>
+          <a:bodyPr/>
+          <a:lstStyle/>
+          <a:p>
+            <a:endParaRPr kumimoji="1" lang="ja-JP" altLang="en-US" dirty="0"/>
+          </a:p>
+        </p:txBody>
+      </p:sp>
+      <p:sp>
+        <p:nvSpPr>
+          <p:cNvPr id="4" name="コンテンツ プレースホルダー 3">
+            <a:extLst>
+              <a:ext uri="{FF2B5EF4-FFF2-40B4-BE49-F238E27FC236}">
+                <a16:creationId xmlns:a16="http://schemas.microsoft.com/office/drawing/2014/main" id="{56DEF7D4-6F14-4585-826E-B3F972DC0F9A}"/>
+              </a:ext>
+            </a:extLst>
+          </p:cNvPr>
+          <p:cNvSpPr>
+            <a:spLocks noGrp="1"/>
+          </p:cNvSpPr>
+          <p:nvPr>
+            <p:ph sz="quarter" idx="10"/>
+          </p:nvPr>
+        </p:nvSpPr>
+        <p:spPr/>
+        <p:txBody>
+          <a:bodyPr/>
+          <a:lstStyle/>
+          <a:p>
+            <a:r>
+              <a:rPr kumimoji="1" lang="en-US" altLang="ja-JP" dirty="0"/>
+              <a:t>1. </a:t>
+            </a:r>
+            <a:r>
+              <a:rPr kumimoji="1" lang="ja-JP" altLang="en-US" dirty="0"/>
+              <a:t>石油開発の流れ</a:t>
+            </a:r>
+          </a:p>
+        </p:txBody>
+      </p:sp>
+    </p:spTree>
+    <p:extLst>
+      <p:ext uri="{BB962C8B-B14F-4D97-AF65-F5344CB8AC3E}">
+        <p14:creationId xmlns:p14="http://schemas.microsoft.com/office/powerpoint/2010/main" val="1634738298"/>
+      </p:ext>
+    </p:extLst>
+  </p:cSld>
+  <p:clrMapOvr>
+    <a:masterClrMapping/>
+  </p:clrMapOvr>
+</p:sld>
+</file>
+
+<file path=ppt/slides/slide6.xml><?xml version="1.0" encoding="utf-8"?>
+<p:sld xmlns:a="http://schemas.openxmlformats.org/drawingml/2006/main" xmlns:r="http://schemas.openxmlformats.org/officeDocument/2006/relationships" xmlns:p="http://schemas.openxmlformats.org/presentationml/2006/main">
+  <p:cSld>
+    <p:spTree>
+      <p:nvGrpSpPr>
+        <p:cNvPr id="1" name=""/>
+        <p:cNvGrpSpPr/>
+        <p:nvPr/>
+      </p:nvGrpSpPr>
+      <p:grpSpPr>
+        <a:xfrm>
+          <a:off x="0" y="0"/>
+          <a:ext cx="0" cy="0"/>
+          <a:chOff x="0" y="0"/>
+          <a:chExt cx="0" cy="0"/>
+        </a:xfrm>
+      </p:grpSpPr>
+      <p:sp>
+        <p:nvSpPr>
+          <p:cNvPr id="2" name="コンテンツ プレースホルダー 1">
+            <a:extLst>
+              <a:ext uri="{FF2B5EF4-FFF2-40B4-BE49-F238E27FC236}">
+                <a16:creationId xmlns:a16="http://schemas.microsoft.com/office/drawing/2014/main" id="{E8423DD3-3E4B-4E97-AD36-B066768BD4AC}"/>
+              </a:ext>
+            </a:extLst>
+          </p:cNvPr>
+          <p:cNvSpPr>
+            <a:spLocks noGrp="1"/>
+          </p:cNvSpPr>
+          <p:nvPr>
+            <p:ph idx="1"/>
+          </p:nvPr>
+        </p:nvSpPr>
+        <p:spPr/>
+        <p:txBody>
+          <a:bodyPr/>
+          <a:lstStyle/>
+          <a:p>
+            <a:endParaRPr kumimoji="1" lang="ja-JP" altLang="en-US"/>
+          </a:p>
+        </p:txBody>
+      </p:sp>
+      <p:sp>
+        <p:nvSpPr>
+          <p:cNvPr id="3" name="タイトル 2">
+            <a:extLst>
+              <a:ext uri="{FF2B5EF4-FFF2-40B4-BE49-F238E27FC236}">
+                <a16:creationId xmlns:a16="http://schemas.microsoft.com/office/drawing/2014/main" id="{2CF19479-C81A-4309-BF59-FEFD2663BA7F}"/>
+              </a:ext>
+            </a:extLst>
+          </p:cNvPr>
+          <p:cNvSpPr>
+            <a:spLocks noGrp="1"/>
+          </p:cNvSpPr>
+          <p:nvPr>
+            <p:ph type="title"/>
+          </p:nvPr>
+        </p:nvSpPr>
+        <p:spPr/>
+        <p:txBody>
+          <a:bodyPr/>
+          <a:lstStyle/>
+          <a:p>
+            <a:endParaRPr kumimoji="1" lang="ja-JP" altLang="en-US"/>
+          </a:p>
+        </p:txBody>
+      </p:sp>
+      <p:sp>
+        <p:nvSpPr>
+          <p:cNvPr id="4" name="コンテンツ プレースホルダー 3">
+            <a:extLst>
+              <a:ext uri="{FF2B5EF4-FFF2-40B4-BE49-F238E27FC236}">
+                <a16:creationId xmlns:a16="http://schemas.microsoft.com/office/drawing/2014/main" id="{56DEF7D4-6F14-4585-826E-B3F972DC0F9A}"/>
+              </a:ext>
+            </a:extLst>
+          </p:cNvPr>
+          <p:cNvSpPr>
+            <a:spLocks noGrp="1"/>
+          </p:cNvSpPr>
+          <p:nvPr>
+            <p:ph sz="quarter" idx="10"/>
+          </p:nvPr>
+        </p:nvSpPr>
+        <p:spPr/>
+        <p:txBody>
+          <a:bodyPr/>
+          <a:lstStyle/>
+          <a:p>
+            <a:r>
+              <a:rPr kumimoji="1" lang="en-US" altLang="ja-JP" dirty="0"/>
+              <a:t>1. </a:t>
+            </a:r>
+            <a:r>
+              <a:rPr kumimoji="1" lang="ja-JP" altLang="en-US" dirty="0"/>
+              <a:t>石油開発の流れ</a:t>
+            </a:r>
+          </a:p>
+        </p:txBody>
+      </p:sp>
+    </p:spTree>
+    <p:extLst>
+      <p:ext uri="{BB962C8B-B14F-4D97-AF65-F5344CB8AC3E}">
+        <p14:creationId xmlns:p14="http://schemas.microsoft.com/office/powerpoint/2010/main" val="196645737"/>
+      </p:ext>
+    </p:extLst>
+  </p:cSld>
+  <p:clrMapOvr>
+    <a:masterClrMapping/>
+  </p:clrMapOvr>
+</p:sld>
+</file>
+
+<file path=ppt/slides/slide7.xml><?xml version="1.0" encoding="utf-8"?>
+<p:sld xmlns:a="http://schemas.openxmlformats.org/drawingml/2006/main" xmlns:r="http://schemas.openxmlformats.org/officeDocument/2006/relationships" xmlns:p="http://schemas.openxmlformats.org/presentationml/2006/main">
+  <p:cSld>
+    <p:spTree>
+      <p:nvGrpSpPr>
+        <p:cNvPr id="1" name=""/>
+        <p:cNvGrpSpPr/>
+        <p:nvPr/>
+      </p:nvGrpSpPr>
+      <p:grpSpPr>
+        <a:xfrm>
+          <a:off x="0" y="0"/>
+          <a:ext cx="0" cy="0"/>
+          <a:chOff x="0" y="0"/>
+          <a:chExt cx="0" cy="0"/>
+        </a:xfrm>
+      </p:grpSpPr>
       <p:sp>
         <p:nvSpPr>
           <p:cNvPr id="3" name="タイトル 2">
@@ -6265,7 +9139,7 @@
 </p:sld>
 </file>
 
-<file path=ppt/slides/slide5.xml><?xml version="1.0" encoding="utf-8"?>
+<file path=ppt/slides/slide8.xml><?xml version="1.0" encoding="utf-8"?>
 <p:sld xmlns:a="http://schemas.openxmlformats.org/drawingml/2006/main" xmlns:r="http://schemas.openxmlformats.org/officeDocument/2006/relationships" xmlns:p="http://schemas.openxmlformats.org/presentationml/2006/main">
   <p:cSld>
     <p:spTree>
@@ -7143,7 +10017,7 @@
 </p:sld>
 </file>
 
-<file path=ppt/slides/slide6.xml><?xml version="1.0" encoding="utf-8"?>
+<file path=ppt/slides/slide9.xml><?xml version="1.0" encoding="utf-8"?>
 <p:sld xmlns:a="http://schemas.openxmlformats.org/drawingml/2006/main" xmlns:r="http://schemas.openxmlformats.org/officeDocument/2006/relationships" xmlns:p="http://schemas.openxmlformats.org/presentationml/2006/main">
   <p:cSld>
     <p:spTree>
